--- a/2024/lecture_01.pptx
+++ b/2024/lecture_01.pptx
@@ -5,51 +5,50 @@
     <p:sldMasterId id="2147483648" r:id="rId1"/>
   </p:sldMasterIdLst>
   <p:sldIdLst>
-    <p:sldId id="256" r:id="rId2"/>
-    <p:sldId id="257" r:id="rId3"/>
-    <p:sldId id="258" r:id="rId4"/>
-    <p:sldId id="259" r:id="rId5"/>
-    <p:sldId id="260" r:id="rId6"/>
-    <p:sldId id="261" r:id="rId7"/>
-    <p:sldId id="262" r:id="rId8"/>
-    <p:sldId id="263" r:id="rId9"/>
-    <p:sldId id="264" r:id="rId10"/>
-    <p:sldId id="265" r:id="rId11"/>
-    <p:sldId id="266" r:id="rId12"/>
-    <p:sldId id="267" r:id="rId13"/>
-    <p:sldId id="268" r:id="rId14"/>
-    <p:sldId id="269" r:id="rId15"/>
-    <p:sldId id="270" r:id="rId16"/>
-    <p:sldId id="271" r:id="rId17"/>
-    <p:sldId id="272" r:id="rId18"/>
-    <p:sldId id="273" r:id="rId19"/>
-    <p:sldId id="274" r:id="rId20"/>
-    <p:sldId id="275" r:id="rId21"/>
-    <p:sldId id="276" r:id="rId22"/>
-    <p:sldId id="277" r:id="rId23"/>
-    <p:sldId id="278" r:id="rId24"/>
-    <p:sldId id="279" r:id="rId25"/>
-    <p:sldId id="280" r:id="rId26"/>
-    <p:sldId id="281" r:id="rId27"/>
-    <p:sldId id="282" r:id="rId28"/>
-    <p:sldId id="283" r:id="rId29"/>
-    <p:sldId id="284" r:id="rId30"/>
-    <p:sldId id="285" r:id="rId31"/>
-    <p:sldId id="286" r:id="rId32"/>
-    <p:sldId id="287" r:id="rId33"/>
-    <p:sldId id="288" r:id="rId34"/>
-    <p:sldId id="289" r:id="rId35"/>
-    <p:sldId id="290" r:id="rId36"/>
-    <p:sldId id="291" r:id="rId37"/>
-    <p:sldId id="292" r:id="rId38"/>
-    <p:sldId id="293" r:id="rId39"/>
-    <p:sldId id="294" r:id="rId40"/>
-    <p:sldId id="295" r:id="rId41"/>
-    <p:sldId id="296" r:id="rId42"/>
-    <p:sldId id="297" r:id="rId43"/>
-    <p:sldId id="298" r:id="rId44"/>
-    <p:sldId id="299" r:id="rId45"/>
-    <p:sldId id="300" r:id="rId46"/>
+    <p:sldId id="257" r:id="rId2"/>
+    <p:sldId id="258" r:id="rId3"/>
+    <p:sldId id="259" r:id="rId4"/>
+    <p:sldId id="260" r:id="rId5"/>
+    <p:sldId id="261" r:id="rId6"/>
+    <p:sldId id="262" r:id="rId7"/>
+    <p:sldId id="263" r:id="rId8"/>
+    <p:sldId id="264" r:id="rId9"/>
+    <p:sldId id="265" r:id="rId10"/>
+    <p:sldId id="266" r:id="rId11"/>
+    <p:sldId id="267" r:id="rId12"/>
+    <p:sldId id="268" r:id="rId13"/>
+    <p:sldId id="269" r:id="rId14"/>
+    <p:sldId id="270" r:id="rId15"/>
+    <p:sldId id="271" r:id="rId16"/>
+    <p:sldId id="272" r:id="rId17"/>
+    <p:sldId id="273" r:id="rId18"/>
+    <p:sldId id="274" r:id="rId19"/>
+    <p:sldId id="275" r:id="rId20"/>
+    <p:sldId id="276" r:id="rId21"/>
+    <p:sldId id="277" r:id="rId22"/>
+    <p:sldId id="278" r:id="rId23"/>
+    <p:sldId id="279" r:id="rId24"/>
+    <p:sldId id="280" r:id="rId25"/>
+    <p:sldId id="281" r:id="rId26"/>
+    <p:sldId id="282" r:id="rId27"/>
+    <p:sldId id="283" r:id="rId28"/>
+    <p:sldId id="284" r:id="rId29"/>
+    <p:sldId id="285" r:id="rId30"/>
+    <p:sldId id="286" r:id="rId31"/>
+    <p:sldId id="287" r:id="rId32"/>
+    <p:sldId id="288" r:id="rId33"/>
+    <p:sldId id="289" r:id="rId34"/>
+    <p:sldId id="290" r:id="rId35"/>
+    <p:sldId id="291" r:id="rId36"/>
+    <p:sldId id="292" r:id="rId37"/>
+    <p:sldId id="293" r:id="rId38"/>
+    <p:sldId id="294" r:id="rId39"/>
+    <p:sldId id="295" r:id="rId40"/>
+    <p:sldId id="296" r:id="rId41"/>
+    <p:sldId id="297" r:id="rId42"/>
+    <p:sldId id="298" r:id="rId43"/>
+    <p:sldId id="299" r:id="rId44"/>
+    <p:sldId id="300" r:id="rId45"/>
   </p:sldIdLst>
   <p:sldSz cx="9144000" cy="5143500" type="screen16x9"/>
   <p:notesSz cx="6858000" cy="9144000"/>
@@ -3136,67 +3135,126 @@
       </p:grpSpPr>
       <p:sp>
         <p:nvSpPr>
-          <p:cNvPr id="2" name="Title 1"/>
-          <p:cNvSpPr>
-            <a:spLocks noGrp="1"/>
-          </p:cNvSpPr>
-          <p:nvPr>
-            <p:ph type="ctrTitle"/>
-          </p:nvPr>
-        </p:nvSpPr>
-        <p:spPr>
+          <p:cNvPr id="4" name="Text Placeholder 3"/>
+          <p:cNvSpPr>
+            <a:spLocks noGrp="1"/>
+          </p:cNvSpPr>
+          <p:nvPr>
+            <p:ph type="body" sz="half" idx="2"/>
+          </p:nvPr>
+        </p:nvSpPr>
+        <p:spPr/>
+        <p:txBody>
+          <a:bodyPr/>
+          <a:lstStyle/>
+          <a:p>
+            <a:pPr marL="0" lvl="0" indent="0">
+              <a:buNone/>
+            </a:pPr>
+            <a:r>
+              <a:rPr dirty="0"/>
+              <a:t>Welcome to </a:t>
+            </a:r>
+            <a:r>
+              <a:rPr dirty="0" err="1"/>
+              <a:t>Analysing</a:t>
+            </a:r>
+            <a:r>
+              <a:rPr dirty="0"/>
+              <a:t> Data!</a:t>
+            </a:r>
+          </a:p>
+          <a:p>
+            <a:pPr marL="0" lvl="0" indent="0">
+              <a:buNone/>
+            </a:pPr>
+            <a:r>
+              <a:rPr dirty="0"/>
+              <a:t>Lecture 01</a:t>
+            </a:r>
+          </a:p>
+          <a:p>
+            <a:pPr marL="0" lvl="0" indent="0">
+              <a:buNone/>
+            </a:pPr>
+            <a:r>
+              <a:rPr dirty="0"/>
+              <a:t> </a:t>
+            </a:r>
+          </a:p>
+          <a:p>
+            <a:pPr marL="0" lvl="0" indent="0">
+              <a:buNone/>
+            </a:pPr>
+            <a:r>
+              <a:rPr dirty="0"/>
+              <a:t>Jennifer </a:t>
+            </a:r>
+            <a:r>
+              <a:rPr dirty="0" err="1"/>
+              <a:t>Mankin</a:t>
+            </a:r>
+            <a:r>
+              <a:rPr lang="en-GB" dirty="0"/>
+              <a:t> </a:t>
+            </a:r>
+            <a:r>
+              <a:rPr dirty="0"/>
+              <a:t>and Martina </a:t>
+            </a:r>
+            <a:r>
+              <a:rPr dirty="0" err="1"/>
+              <a:t>Sladekova</a:t>
+            </a:r>
+            <a:endParaRPr dirty="0"/>
+          </a:p>
+          <a:p>
+            <a:pPr marL="0" lvl="0" indent="0">
+              <a:buNone/>
+            </a:pPr>
+            <a:r>
+              <a:rPr dirty="0"/>
+              <a:t>1 February 2024</a:t>
+            </a:r>
+          </a:p>
+          <a:p>
+            <a:pPr marL="0" lvl="0" indent="0">
+              <a:buNone/>
+            </a:pPr>
+            <a:endParaRPr dirty="0"/>
+          </a:p>
+        </p:txBody>
+      </p:sp>
+      <p:pic>
+        <p:nvPicPr>
+          <p:cNvPr id="2" name="Picture 1" descr="images/sussex_logo.png"/>
+          <p:cNvPicPr>
+            <a:picLocks noGrp="1" noChangeAspect="1"/>
+          </p:cNvPicPr>
+          <p:nvPr/>
+        </p:nvPicPr>
+        <p:blipFill>
+          <a:blip r:embed="rId2"/>
+          <a:stretch>
+            <a:fillRect/>
+          </a:stretch>
+        </p:blipFill>
+        <p:spPr bwMode="auto">
           <a:xfrm>
-            <a:off x="685800" y="1597819"/>
-            <a:ext cx="7772400" cy="1102519"/>
+            <a:off x="3937000" y="203200"/>
+            <a:ext cx="4381500" cy="4381500"/>
           </a:xfrm>
+          <a:prstGeom prst="rect">
+            <a:avLst/>
+          </a:prstGeom>
+          <a:noFill/>
+          <a:ln w="9525">
+            <a:noFill/>
+            <a:headEnd/>
+            <a:tailEnd/>
+          </a:ln>
         </p:spPr>
-        <p:txBody>
-          <a:bodyPr/>
-          <a:lstStyle/>
-          <a:p>
-            <a:pPr marL="0" lvl="0" indent="0">
-              <a:buNone/>
-            </a:pPr>
-            <a:r>
-              <a:t>Welcome to Analysing Data!</a:t>
-            </a:r>
-          </a:p>
-        </p:txBody>
-      </p:sp>
-      <p:sp>
-        <p:nvSpPr>
-          <p:cNvPr id="3" name="Subtitle 2"/>
-          <p:cNvSpPr>
-            <a:spLocks noGrp="1"/>
-          </p:cNvSpPr>
-          <p:nvPr>
-            <p:ph type="subTitle" idx="1"/>
-          </p:nvPr>
-        </p:nvSpPr>
-        <p:spPr>
-          <a:xfrm>
-            <a:off x="1371600" y="2914650"/>
-            <a:ext cx="6400800" cy="1314450"/>
-          </a:xfrm>
-        </p:spPr>
-        <p:txBody>
-          <a:bodyPr/>
-          <a:lstStyle/>
-          <a:p>
-            <a:pPr marL="0" lvl="0" indent="0">
-              <a:buNone/>
-            </a:pPr>
-            <a:r>
-              <a:t>Lecture 01</a:t>
-            </a:r>
-            <a:br/>
-            <a:br/>
-            <a:r>
-              <a:t>Jennifer Mankin and Martina Sladekova</a:t>
-            </a:r>
-          </a:p>
-        </p:txBody>
-      </p:sp>
+      </p:pic>
     </p:spTree>
   </p:cSld>
   <p:clrMapOvr>
@@ -3224,6 +3282,30 @@
       </p:grpSpPr>
       <p:sp>
         <p:nvSpPr>
+          <p:cNvPr id="2" name="Title 1"/>
+          <p:cNvSpPr>
+            <a:spLocks noGrp="1"/>
+          </p:cNvSpPr>
+          <p:nvPr>
+            <p:ph type="title"/>
+          </p:nvPr>
+        </p:nvSpPr>
+        <p:spPr/>
+        <p:txBody>
+          <a:bodyPr/>
+          <a:lstStyle/>
+          <a:p>
+            <a:pPr marL="0" lvl="0" indent="0">
+              <a:buNone/>
+            </a:pPr>
+            <a:r>
+              <a:t>Topics Structure</a:t>
+            </a:r>
+          </a:p>
+        </p:txBody>
+      </p:sp>
+      <p:sp>
+        <p:nvSpPr>
           <p:cNvPr id="3" name="Content Placeholder 2"/>
           <p:cNvSpPr>
             <a:spLocks noGrp="1"/>
@@ -3237,29 +3319,19 @@
           <a:bodyPr/>
           <a:lstStyle/>
           <a:p>
-            <a:pPr marL="1270000" lvl="0" indent="0">
+            <a:pPr marL="0" lvl="0" indent="0">
               <a:buNone/>
             </a:pPr>
             <a:r>
-              <a:rPr sz="2000" b="1"/>
-              <a:t>Important</a:t>
-            </a:r>
-          </a:p>
-          <a:p>
-            <a:pPr marL="1270000" lvl="0" indent="0">
+              <a:t>Teaching sessions are grouped around topics, which cover two weeks</a:t>
+            </a:r>
+          </a:p>
+          <a:p>
+            <a:pPr marL="0" lvl="0" indent="0">
               <a:buNone/>
             </a:pPr>
             <a:r>
-              <a:rPr sz="2000"/>
-              <a:t>Skills Labs are </a:t>
-            </a:r>
-            <a:r>
-              <a:rPr sz="2000" b="1"/>
-              <a:t>not optional</a:t>
-            </a:r>
-            <a:r>
-              <a:rPr sz="2000"/>
-              <a:t>! They are distinct from the lectures and will contribute to your assessments.</a:t>
+              <a:t> </a:t>
             </a:r>
           </a:p>
         </p:txBody>
@@ -3291,12 +3363,12 @@
       </p:grpSpPr>
       <p:sp>
         <p:nvSpPr>
-          <p:cNvPr id="2" name="Title 1"/>
-          <p:cNvSpPr>
-            <a:spLocks noGrp="1"/>
-          </p:cNvSpPr>
-          <p:nvPr>
-            <p:ph type="title"/>
+          <p:cNvPr id="3" name="Content Placeholder 2"/>
+          <p:cNvSpPr>
+            <a:spLocks noGrp="1"/>
+          </p:cNvSpPr>
+          <p:nvPr>
+            <p:ph sz="half" idx="1"/>
           </p:nvPr>
         </p:nvSpPr>
         <p:spPr/>
@@ -3305,22 +3377,56 @@
           <a:lstStyle/>
           <a:p>
             <a:pPr marL="0" lvl="0" indent="0">
+              <a:spcBef>
+                <a:spcPts val="3000"/>
+              </a:spcBef>
               <a:buNone/>
             </a:pPr>
             <a:r>
-              <a:t>Topics Structure</a:t>
-            </a:r>
-          </a:p>
-        </p:txBody>
-      </p:sp>
-      <p:sp>
-        <p:nvSpPr>
-          <p:cNvPr id="3" name="Content Placeholder 2"/>
-          <p:cNvSpPr>
-            <a:spLocks noGrp="1"/>
-          </p:cNvSpPr>
-          <p:nvPr>
-            <p:ph idx="1"/>
+              <a:rPr b="1"/>
+              <a:t>First Week</a:t>
+            </a:r>
+          </a:p>
+          <a:p>
+            <a:pPr lvl="0"/>
+            <a:r>
+              <a:t>Materials released on Wednesdays</a:t>
+            </a:r>
+          </a:p>
+          <a:p>
+            <a:pPr lvl="1"/>
+            <a:r>
+              <a:t>Lecture and tutorial in the morning</a:t>
+            </a:r>
+          </a:p>
+          <a:p>
+            <a:pPr lvl="1"/>
+            <a:r>
+              <a:t>Tutorial and worksheet on Cloud in the evening</a:t>
+            </a:r>
+          </a:p>
+          <a:p>
+            <a:pPr lvl="0"/>
+            <a:r>
+              <a:t>Lecture Thursday morning</a:t>
+            </a:r>
+          </a:p>
+          <a:p>
+            <a:pPr lvl="0"/>
+            <a:r>
+              <a:t>Skills Lab Thursday evening</a:t>
+            </a:r>
+          </a:p>
+        </p:txBody>
+      </p:sp>
+      <p:sp>
+        <p:nvSpPr>
+          <p:cNvPr id="4" name="Content Placeholder 3"/>
+          <p:cNvSpPr>
+            <a:spLocks noGrp="1"/>
+          </p:cNvSpPr>
+          <p:nvPr>
+            <p:ph sz="half" idx="2"/>
           </p:nvPr>
         </p:nvSpPr>
         <p:spPr/>
@@ -3329,18 +3435,38 @@
           <a:lstStyle/>
           <a:p>
             <a:pPr marL="0" lvl="0" indent="0">
+              <a:spcBef>
+                <a:spcPts val="3000"/>
+              </a:spcBef>
               <a:buNone/>
             </a:pPr>
             <a:r>
-              <a:t>Teaching sessions are grouped around topics, which cover two weeks</a:t>
-            </a:r>
-          </a:p>
-          <a:p>
-            <a:pPr marL="0" lvl="0" indent="0">
-              <a:buNone/>
-            </a:pPr>
-            <a:r>
-              <a:t> </a:t>
+              <a:rPr b="1"/>
+              <a:t>Second Week</a:t>
+            </a:r>
+          </a:p>
+          <a:p>
+            <a:pPr lvl="0"/>
+            <a:r>
+              <a:t>Practical session</a:t>
+            </a:r>
+          </a:p>
+          <a:p>
+            <a:pPr lvl="1"/>
+            <a:r>
+              <a:t>Complete tutorial</a:t>
+            </a:r>
+          </a:p>
+          <a:p>
+            <a:pPr lvl="1"/>
+            <a:r>
+              <a:t>Complete worksheet</a:t>
+            </a:r>
+          </a:p>
+          <a:p>
+            <a:pPr lvl="0"/>
+            <a:r>
+              <a:t>Worksheet quiz</a:t>
             </a:r>
           </a:p>
         </p:txBody>
@@ -3354,141 +3480,6 @@
 </file>
 
 <file path=ppt/slides/slide12.xml><?xml version="1.0" encoding="utf-8"?>
-<p:sld xmlns:a="http://schemas.openxmlformats.org/drawingml/2006/main" xmlns:r="http://schemas.openxmlformats.org/officeDocument/2006/relationships" xmlns:p="http://schemas.openxmlformats.org/presentationml/2006/main">
-  <p:cSld>
-    <p:spTree>
-      <p:nvGrpSpPr>
-        <p:cNvPr id="1" name=""/>
-        <p:cNvGrpSpPr/>
-        <p:nvPr/>
-      </p:nvGrpSpPr>
-      <p:grpSpPr>
-        <a:xfrm>
-          <a:off x="0" y="0"/>
-          <a:ext cx="0" cy="0"/>
-          <a:chOff x="0" y="0"/>
-          <a:chExt cx="0" cy="0"/>
-        </a:xfrm>
-      </p:grpSpPr>
-      <p:sp>
-        <p:nvSpPr>
-          <p:cNvPr id="3" name="Content Placeholder 2"/>
-          <p:cNvSpPr>
-            <a:spLocks noGrp="1"/>
-          </p:cNvSpPr>
-          <p:nvPr>
-            <p:ph sz="half" idx="1"/>
-          </p:nvPr>
-        </p:nvSpPr>
-        <p:spPr/>
-        <p:txBody>
-          <a:bodyPr/>
-          <a:lstStyle/>
-          <a:p>
-            <a:pPr marL="0" lvl="0" indent="0">
-              <a:spcBef>
-                <a:spcPts val="3000"/>
-              </a:spcBef>
-              <a:buNone/>
-            </a:pPr>
-            <a:r>
-              <a:rPr b="1"/>
-              <a:t>First Week</a:t>
-            </a:r>
-          </a:p>
-          <a:p>
-            <a:pPr lvl="0"/>
-            <a:r>
-              <a:t>Materials released on Wednesdays</a:t>
-            </a:r>
-          </a:p>
-          <a:p>
-            <a:pPr lvl="1"/>
-            <a:r>
-              <a:t>Lecture and tutorial in the morning</a:t>
-            </a:r>
-          </a:p>
-          <a:p>
-            <a:pPr lvl="1"/>
-            <a:r>
-              <a:t>Tutorial and worksheet on Cloud in the evening</a:t>
-            </a:r>
-          </a:p>
-          <a:p>
-            <a:pPr lvl="0"/>
-            <a:r>
-              <a:t>Lecture Thursday morning</a:t>
-            </a:r>
-          </a:p>
-          <a:p>
-            <a:pPr lvl="0"/>
-            <a:r>
-              <a:t>Skills Lab Thursday evening</a:t>
-            </a:r>
-          </a:p>
-        </p:txBody>
-      </p:sp>
-      <p:sp>
-        <p:nvSpPr>
-          <p:cNvPr id="4" name="Content Placeholder 3"/>
-          <p:cNvSpPr>
-            <a:spLocks noGrp="1"/>
-          </p:cNvSpPr>
-          <p:nvPr>
-            <p:ph sz="half" idx="2"/>
-          </p:nvPr>
-        </p:nvSpPr>
-        <p:spPr/>
-        <p:txBody>
-          <a:bodyPr/>
-          <a:lstStyle/>
-          <a:p>
-            <a:pPr marL="0" lvl="0" indent="0">
-              <a:spcBef>
-                <a:spcPts val="3000"/>
-              </a:spcBef>
-              <a:buNone/>
-            </a:pPr>
-            <a:r>
-              <a:rPr b="1"/>
-              <a:t>Second Week</a:t>
-            </a:r>
-          </a:p>
-          <a:p>
-            <a:pPr lvl="0"/>
-            <a:r>
-              <a:t>Practical session</a:t>
-            </a:r>
-          </a:p>
-          <a:p>
-            <a:pPr lvl="1"/>
-            <a:r>
-              <a:t>Complete tutorial</a:t>
-            </a:r>
-          </a:p>
-          <a:p>
-            <a:pPr lvl="1"/>
-            <a:r>
-              <a:t>Complete worksheet</a:t>
-            </a:r>
-          </a:p>
-          <a:p>
-            <a:pPr lvl="0"/>
-            <a:r>
-              <a:t>Worksheet quiz</a:t>
-            </a:r>
-          </a:p>
-        </p:txBody>
-      </p:sp>
-    </p:spTree>
-  </p:cSld>
-  <p:clrMapOvr>
-    <a:masterClrMapping/>
-  </p:clrMapOvr>
-</p:sld>
-</file>
-
-<file path=ppt/slides/slide13.xml><?xml version="1.0" encoding="utf-8"?>
 <p:sld xmlns:a="http://schemas.openxmlformats.org/drawingml/2006/main" xmlns:r="http://schemas.openxmlformats.org/officeDocument/2006/relationships" xmlns:p="http://schemas.openxmlformats.org/presentationml/2006/main">
   <p:cSld>
     <p:spTree>
@@ -3567,7 +3558,7 @@
 </p:sld>
 </file>
 
-<file path=ppt/slides/slide14.xml><?xml version="1.0" encoding="utf-8"?>
+<file path=ppt/slides/slide13.xml><?xml version="1.0" encoding="utf-8"?>
 <p:sld xmlns:a="http://schemas.openxmlformats.org/drawingml/2006/main" xmlns:r="http://schemas.openxmlformats.org/officeDocument/2006/relationships" xmlns:p="http://schemas.openxmlformats.org/presentationml/2006/main">
   <p:cSld>
     <p:spTree>
@@ -4360,6 +4351,60 @@
 </p:sld>
 </file>
 
+<file path=ppt/slides/slide14.xml><?xml version="1.0" encoding="utf-8"?>
+<p:sld xmlns:a="http://schemas.openxmlformats.org/drawingml/2006/main" xmlns:r="http://schemas.openxmlformats.org/officeDocument/2006/relationships" xmlns:p="http://schemas.openxmlformats.org/presentationml/2006/main">
+  <p:cSld>
+    <p:spTree>
+      <p:nvGrpSpPr>
+        <p:cNvPr id="1" name=""/>
+        <p:cNvGrpSpPr/>
+        <p:nvPr/>
+      </p:nvGrpSpPr>
+      <p:grpSpPr>
+        <a:xfrm>
+          <a:off x="0" y="0"/>
+          <a:ext cx="0" cy="0"/>
+          <a:chOff x="0" y="0"/>
+          <a:chExt cx="0" cy="0"/>
+        </a:xfrm>
+      </p:grpSpPr>
+      <p:sp>
+        <p:nvSpPr>
+          <p:cNvPr id="2" name="Title 1"/>
+          <p:cNvSpPr>
+            <a:spLocks noGrp="1"/>
+          </p:cNvSpPr>
+          <p:nvPr>
+            <p:ph type="title"/>
+          </p:nvPr>
+        </p:nvSpPr>
+        <p:spPr>
+          <a:xfrm>
+            <a:off x="722313" y="3305176"/>
+            <a:ext cx="7772400" cy="1021556"/>
+          </a:xfrm>
+        </p:spPr>
+        <p:txBody>
+          <a:bodyPr/>
+          <a:lstStyle/>
+          <a:p>
+            <a:pPr marL="0" lvl="0" indent="0">
+              <a:buNone/>
+            </a:pPr>
+            <a:r>
+              <a:t>Attendance</a:t>
+            </a:r>
+          </a:p>
+        </p:txBody>
+      </p:sp>
+    </p:spTree>
+  </p:cSld>
+  <p:clrMapOvr>
+    <a:masterClrMapping/>
+  </p:clrMapOvr>
+</p:sld>
+</file>
+
 <file path=ppt/slides/slide15.xml><?xml version="1.0" encoding="utf-8"?>
 <p:sld xmlns:a="http://schemas.openxmlformats.org/drawingml/2006/main" xmlns:r="http://schemas.openxmlformats.org/officeDocument/2006/relationships" xmlns:p="http://schemas.openxmlformats.org/presentationml/2006/main">
   <p:cSld>
@@ -4387,12 +4432,7 @@
             <p:ph type="title"/>
           </p:nvPr>
         </p:nvSpPr>
-        <p:spPr>
-          <a:xfrm>
-            <a:off x="722313" y="3305176"/>
-            <a:ext cx="7772400" cy="1021556"/>
-          </a:xfrm>
-        </p:spPr>
+        <p:spPr/>
         <p:txBody>
           <a:bodyPr/>
           <a:lstStyle/>
@@ -4401,7 +4441,61 @@
               <a:buNone/>
             </a:pPr>
             <a:r>
-              <a:t>Attendance</a:t>
+              <a:t>Lectures/Skills Labs</a:t>
+            </a:r>
+          </a:p>
+        </p:txBody>
+      </p:sp>
+      <p:sp>
+        <p:nvSpPr>
+          <p:cNvPr id="3" name="Content Placeholder 2"/>
+          <p:cNvSpPr>
+            <a:spLocks noGrp="1"/>
+          </p:cNvSpPr>
+          <p:nvPr>
+            <p:ph idx="1"/>
+          </p:nvPr>
+        </p:nvSpPr>
+        <p:spPr/>
+        <p:txBody>
+          <a:bodyPr/>
+          <a:lstStyle/>
+          <a:p>
+            <a:pPr lvl="0"/>
+            <a:r>
+              <a:t>Attendance is required, but not marked (no PIN or register)</a:t>
+            </a:r>
+          </a:p>
+          <a:p>
+            <a:pPr lvl="0"/>
+            <a:r>
+              <a:t>Hybrid delivery: in-person, simultaneously on Zoom, recorded</a:t>
+            </a:r>
+          </a:p>
+          <a:p>
+            <a:pPr marL="1270000" lvl="0" indent="0">
+              <a:buNone/>
+            </a:pPr>
+            <a:r>
+              <a:rPr sz="2000" b="1"/>
+              <a:t>Important</a:t>
+            </a:r>
+          </a:p>
+          <a:p>
+            <a:pPr marL="1270000" lvl="0" indent="0">
+              <a:buNone/>
+            </a:pPr>
+            <a:r>
+              <a:rPr sz="2000"/>
+              <a:t>If you are on a visa in the UK, you </a:t>
+            </a:r>
+            <a:r>
+              <a:rPr sz="2000" b="1"/>
+              <a:t>must</a:t>
+            </a:r>
+            <a:r>
+              <a:rPr sz="2000"/>
+              <a:t> attend teaching sessions in person!</a:t>
             </a:r>
           </a:p>
         </p:txBody>
@@ -4450,7 +4544,7 @@
               <a:buNone/>
             </a:pPr>
             <a:r>
-              <a:t>Lectures/Skills Labs</a:t>
+              <a:t>Why Hybrid?</a:t>
             </a:r>
           </a:p>
         </p:txBody>
@@ -4472,39 +4566,48 @@
           <a:p>
             <a:pPr lvl="0"/>
             <a:r>
-              <a:t>Attendance is required, but not marked (no PIN or register)</a:t>
-            </a:r>
-          </a:p>
-          <a:p>
-            <a:pPr lvl="0"/>
-            <a:r>
-              <a:t>Hybrid delivery: in-person, simultaneously on Zoom, recorded</a:t>
-            </a:r>
-          </a:p>
-          <a:p>
-            <a:pPr marL="1270000" lvl="0" indent="0">
+              <a:t>Accessibility and engagement are </a:t>
+            </a:r>
+            <a:r>
+              <a:rPr b="1"/>
+              <a:t>priorities</a:t>
+            </a:r>
+            <a:r>
+              <a:t>!</a:t>
+            </a:r>
+          </a:p>
+          <a:p>
+            <a:pPr lvl="0"/>
+            <a:r>
+              <a:t>Hybrid allows live captions, chat, Zoom surveys etc.</a:t>
+            </a:r>
+          </a:p>
+          <a:p>
+            <a:pPr lvl="0"/>
+            <a:r>
+              <a:t>Support needs and preferences are very different for different people</a:t>
+            </a:r>
+          </a:p>
+          <a:p>
+            <a:pPr lvl="1"/>
+            <a:r>
+              <a:t>We want you to have </a:t>
+            </a:r>
+            <a:r>
+              <a:rPr b="1"/>
+              <a:t>options</a:t>
+            </a:r>
+            <a:r>
+              <a:t> to learn most effectively</a:t>
+            </a:r>
+          </a:p>
+          <a:p>
+            <a:pPr marL="0" lvl="0" indent="0">
               <a:buNone/>
             </a:pPr>
             <a:r>
-              <a:rPr sz="2000" b="1"/>
-              <a:t>Important</a:t>
-            </a:r>
-          </a:p>
-          <a:p>
-            <a:pPr marL="1270000" lvl="0" indent="0">
-              <a:buNone/>
-            </a:pPr>
-            <a:r>
-              <a:rPr sz="2000"/>
-              <a:t>If you are on a visa in the UK, you </a:t>
-            </a:r>
-            <a:r>
-              <a:rPr sz="2000" b="1"/>
-              <a:t>must</a:t>
-            </a:r>
-            <a:r>
-              <a:rPr sz="2000"/>
-              <a:t> attend teaching sessions in person!</a:t>
+              <a:rPr b="1"/>
+              <a:t>However…</a:t>
             </a:r>
           </a:p>
         </p:txBody>
@@ -4518,118 +4621,6 @@
 </file>
 
 <file path=ppt/slides/slide17.xml><?xml version="1.0" encoding="utf-8"?>
-<p:sld xmlns:a="http://schemas.openxmlformats.org/drawingml/2006/main" xmlns:r="http://schemas.openxmlformats.org/officeDocument/2006/relationships" xmlns:p="http://schemas.openxmlformats.org/presentationml/2006/main">
-  <p:cSld>
-    <p:spTree>
-      <p:nvGrpSpPr>
-        <p:cNvPr id="1" name=""/>
-        <p:cNvGrpSpPr/>
-        <p:nvPr/>
-      </p:nvGrpSpPr>
-      <p:grpSpPr>
-        <a:xfrm>
-          <a:off x="0" y="0"/>
-          <a:ext cx="0" cy="0"/>
-          <a:chOff x="0" y="0"/>
-          <a:chExt cx="0" cy="0"/>
-        </a:xfrm>
-      </p:grpSpPr>
-      <p:sp>
-        <p:nvSpPr>
-          <p:cNvPr id="2" name="Title 1"/>
-          <p:cNvSpPr>
-            <a:spLocks noGrp="1"/>
-          </p:cNvSpPr>
-          <p:nvPr>
-            <p:ph type="title"/>
-          </p:nvPr>
-        </p:nvSpPr>
-        <p:spPr/>
-        <p:txBody>
-          <a:bodyPr/>
-          <a:lstStyle/>
-          <a:p>
-            <a:pPr marL="0" lvl="0" indent="0">
-              <a:buNone/>
-            </a:pPr>
-            <a:r>
-              <a:t>Why Hybrid?</a:t>
-            </a:r>
-          </a:p>
-        </p:txBody>
-      </p:sp>
-      <p:sp>
-        <p:nvSpPr>
-          <p:cNvPr id="3" name="Content Placeholder 2"/>
-          <p:cNvSpPr>
-            <a:spLocks noGrp="1"/>
-          </p:cNvSpPr>
-          <p:nvPr>
-            <p:ph idx="1"/>
-          </p:nvPr>
-        </p:nvSpPr>
-        <p:spPr/>
-        <p:txBody>
-          <a:bodyPr/>
-          <a:lstStyle/>
-          <a:p>
-            <a:pPr lvl="0"/>
-            <a:r>
-              <a:t>Accessibility and engagement are </a:t>
-            </a:r>
-            <a:r>
-              <a:rPr b="1"/>
-              <a:t>priorities</a:t>
-            </a:r>
-            <a:r>
-              <a:t>!</a:t>
-            </a:r>
-          </a:p>
-          <a:p>
-            <a:pPr lvl="0"/>
-            <a:r>
-              <a:t>Hybrid allows live captions, chat, Zoom surveys etc.</a:t>
-            </a:r>
-          </a:p>
-          <a:p>
-            <a:pPr lvl="0"/>
-            <a:r>
-              <a:t>Support needs and preferences are very different for different people</a:t>
-            </a:r>
-          </a:p>
-          <a:p>
-            <a:pPr lvl="1"/>
-            <a:r>
-              <a:t>We want you to have </a:t>
-            </a:r>
-            <a:r>
-              <a:rPr b="1"/>
-              <a:t>options</a:t>
-            </a:r>
-            <a:r>
-              <a:t> to learn most effectively</a:t>
-            </a:r>
-          </a:p>
-          <a:p>
-            <a:pPr marL="0" lvl="0" indent="0">
-              <a:buNone/>
-            </a:pPr>
-            <a:r>
-              <a:rPr b="1"/>
-              <a:t>However…</a:t>
-            </a:r>
-          </a:p>
-        </p:txBody>
-      </p:sp>
-    </p:spTree>
-  </p:cSld>
-  <p:clrMapOvr>
-    <a:masterClrMapping/>
-  </p:clrMapOvr>
-</p:sld>
-</file>
-
-<file path=ppt/slides/slide18.xml><?xml version="1.0" encoding="utf-8"?>
 <p:sld xmlns:a="http://schemas.openxmlformats.org/drawingml/2006/main" xmlns:r="http://schemas.openxmlformats.org/officeDocument/2006/relationships" xmlns:p="http://schemas.openxmlformats.org/presentationml/2006/main">
   <p:cSld>
     <p:spTree>
@@ -4946,6 +4937,182 @@
 </p:sld>
 </file>
 
+<file path=ppt/slides/slide18.xml><?xml version="1.0" encoding="utf-8"?>
+<p:sld xmlns:a="http://schemas.openxmlformats.org/drawingml/2006/main" xmlns:r="http://schemas.openxmlformats.org/officeDocument/2006/relationships" xmlns:p="http://schemas.openxmlformats.org/presentationml/2006/main">
+  <p:cSld>
+    <p:spTree>
+      <p:nvGrpSpPr>
+        <p:cNvPr id="1" name=""/>
+        <p:cNvGrpSpPr/>
+        <p:nvPr/>
+      </p:nvGrpSpPr>
+      <p:grpSpPr>
+        <a:xfrm>
+          <a:off x="0" y="0"/>
+          <a:ext cx="0" cy="0"/>
+          <a:chOff x="0" y="0"/>
+          <a:chExt cx="0" cy="0"/>
+        </a:xfrm>
+      </p:grpSpPr>
+      <p:sp>
+        <p:nvSpPr>
+          <p:cNvPr id="2" name="Title 1"/>
+          <p:cNvSpPr>
+            <a:spLocks noGrp="1"/>
+          </p:cNvSpPr>
+          <p:nvPr>
+            <p:ph type="title"/>
+          </p:nvPr>
+        </p:nvSpPr>
+        <p:spPr/>
+        <p:txBody>
+          <a:bodyPr/>
+          <a:lstStyle/>
+          <a:p>
+            <a:pPr marL="0" lvl="0" indent="0">
+              <a:buNone/>
+            </a:pPr>
+            <a:r>
+              <a:t>Practicals</a:t>
+            </a:r>
+          </a:p>
+        </p:txBody>
+      </p:sp>
+      <p:sp>
+        <p:nvSpPr>
+          <p:cNvPr id="3" name="Content Placeholder 2"/>
+          <p:cNvSpPr>
+            <a:spLocks noGrp="1"/>
+          </p:cNvSpPr>
+          <p:nvPr>
+            <p:ph idx="1"/>
+          </p:nvPr>
+        </p:nvSpPr>
+        <p:spPr/>
+        <p:txBody>
+          <a:bodyPr>
+            <a:normAutofit fontScale="70000" lnSpcReduction="20000"/>
+          </a:bodyPr>
+          <a:lstStyle/>
+          <a:p>
+            <a:pPr lvl="0"/>
+            <a:r>
+              <a:t>Alternate in person or online</a:t>
+            </a:r>
+          </a:p>
+          <a:p>
+            <a:pPr lvl="0"/>
+            <a:r>
+              <a:t>Interact in some way with tutors (any way is fine)</a:t>
+            </a:r>
+          </a:p>
+          <a:p>
+            <a:pPr lvl="1"/>
+            <a:r>
+              <a:t>Ask questions, ask for help, get your work checked before the quiz!</a:t>
+            </a:r>
+          </a:p>
+          <a:p>
+            <a:pPr marL="1270000" lvl="0" indent="0">
+              <a:buNone/>
+            </a:pPr>
+            <a:r>
+              <a:rPr sz="2000" b="1"/>
+              <a:t>Important</a:t>
+            </a:r>
+          </a:p>
+          <a:p>
+            <a:pPr marL="1270000" lvl="0" indent="0">
+              <a:buNone/>
+            </a:pPr>
+            <a:r>
+              <a:rPr sz="2000"/>
+              <a:t>✨We do </a:t>
+            </a:r>
+            <a:r>
+              <a:rPr sz="2000" b="1"/>
+              <a:t>not</a:t>
+            </a:r>
+            <a:r>
+              <a:rPr sz="2000"/>
+              <a:t> use PIN attendance on this module!</a:t>
+            </a:r>
+          </a:p>
+          <a:p>
+            <a:pPr marL="0" lvl="0" indent="0">
+              <a:buNone/>
+            </a:pPr>
+            <a:r>
+              <a:t>. . .</a:t>
+            </a:r>
+          </a:p>
+          <a:p>
+            <a:pPr marL="0" lvl="0" indent="0">
+              <a:buNone/>
+            </a:pPr>
+            <a:r>
+              <a:t>If you attend </a:t>
+            </a:r>
+            <a:r>
+              <a:rPr i="1"/>
+              <a:t>any</a:t>
+            </a:r>
+            <a:r>
+              <a:t> practical, you can access help and the quiz as normal.</a:t>
+            </a:r>
+          </a:p>
+          <a:p>
+            <a:pPr marL="0" lvl="0" indent="0">
+              <a:buNone/>
+            </a:pPr>
+            <a:r>
+              <a:t>. . .</a:t>
+            </a:r>
+          </a:p>
+          <a:p>
+            <a:pPr lvl="0"/>
+            <a:r>
+              <a:t>✨You </a:t>
+            </a:r>
+            <a:r>
+              <a:rPr b="1"/>
+              <a:t>will</a:t>
+            </a:r>
+            <a:r>
+              <a:t> be marked present if you attend a practical in your same timeslot (but different mode)</a:t>
+            </a:r>
+          </a:p>
+          <a:p>
+            <a:pPr marL="0" lvl="0" indent="0">
+              <a:buNone/>
+            </a:pPr>
+            <a:r>
+              <a:t>. . .</a:t>
+            </a:r>
+          </a:p>
+          <a:p>
+            <a:pPr lvl="0"/>
+            <a:r>
+              <a:t>You </a:t>
+            </a:r>
+            <a:r>
+              <a:rPr b="1"/>
+              <a:t>will not</a:t>
+            </a:r>
+            <a:r>
+              <a:t> be marked present if you attend a practical in a different timeslot (either mode)</a:t>
+            </a:r>
+          </a:p>
+        </p:txBody>
+      </p:sp>
+    </p:spTree>
+  </p:cSld>
+  <p:clrMapOvr>
+    <a:masterClrMapping/>
+  </p:clrMapOvr>
+</p:sld>
+</file>
+
 <file path=ppt/slides/slide19.xml><?xml version="1.0" encoding="utf-8"?>
 <p:sld xmlns:a="http://schemas.openxmlformats.org/drawingml/2006/main" xmlns:r="http://schemas.openxmlformats.org/officeDocument/2006/relationships" xmlns:p="http://schemas.openxmlformats.org/presentationml/2006/main">
   <p:cSld>
@@ -4982,7 +5149,7 @@
               <a:buNone/>
             </a:pPr>
             <a:r>
-              <a:t>Practicals</a:t>
+              <a:t>Changing Your Timetable</a:t>
             </a:r>
           </a:p>
         </p:txBody>
@@ -4999,117 +5166,24 @@
         </p:nvSpPr>
         <p:spPr/>
         <p:txBody>
-          <a:bodyPr>
-            <a:normAutofit fontScale="70000" lnSpcReduction="20000"/>
-          </a:bodyPr>
-          <a:lstStyle/>
-          <a:p>
-            <a:pPr lvl="0"/>
-            <a:r>
-              <a:t>Alternate in person or online</a:t>
-            </a:r>
-          </a:p>
-          <a:p>
-            <a:pPr lvl="0"/>
-            <a:r>
-              <a:t>Interact in some way with tutors (any way is fine)</a:t>
-            </a:r>
-          </a:p>
-          <a:p>
-            <a:pPr lvl="1"/>
-            <a:r>
-              <a:t>Ask questions, ask for help, get your work checked before the quiz!</a:t>
-            </a:r>
-          </a:p>
-          <a:p>
-            <a:pPr marL="1270000" lvl="0" indent="0">
-              <a:buNone/>
-            </a:pPr>
-            <a:r>
-              <a:rPr sz="2000" b="1"/>
-              <a:t>Important</a:t>
-            </a:r>
-          </a:p>
-          <a:p>
-            <a:pPr marL="1270000" lvl="0" indent="0">
-              <a:buNone/>
-            </a:pPr>
-            <a:r>
-              <a:rPr sz="2000"/>
-              <a:t>✨We do </a:t>
-            </a:r>
-            <a:r>
-              <a:rPr sz="2000" b="1"/>
-              <a:t>not</a:t>
-            </a:r>
-            <a:r>
-              <a:rPr sz="2000"/>
-              <a:t> use PIN attendance on this module!</a:t>
-            </a:r>
-          </a:p>
-          <a:p>
-            <a:pPr marL="0" lvl="0" indent="0">
-              <a:buNone/>
-            </a:pPr>
-            <a:r>
-              <a:t>. . .</a:t>
-            </a:r>
-          </a:p>
-          <a:p>
-            <a:pPr marL="0" lvl="0" indent="0">
-              <a:buNone/>
-            </a:pPr>
-            <a:r>
-              <a:t>If you attend </a:t>
-            </a:r>
-            <a:r>
-              <a:rPr i="1"/>
-              <a:t>any</a:t>
-            </a:r>
-            <a:r>
-              <a:t> practical, you can access help and the quiz as normal.</a:t>
-            </a:r>
-          </a:p>
-          <a:p>
-            <a:pPr marL="0" lvl="0" indent="0">
-              <a:buNone/>
-            </a:pPr>
-            <a:r>
-              <a:t>. . .</a:t>
-            </a:r>
-          </a:p>
-          <a:p>
-            <a:pPr lvl="0"/>
-            <a:r>
-              <a:t>✨You </a:t>
-            </a:r>
-            <a:r>
-              <a:rPr b="1"/>
-              <a:t>will</a:t>
-            </a:r>
-            <a:r>
-              <a:t> be marked present if you attend a practical in your same timeslot (but different mode)</a:t>
-            </a:r>
-          </a:p>
-          <a:p>
-            <a:pPr marL="0" lvl="0" indent="0">
-              <a:buNone/>
-            </a:pPr>
-            <a:r>
-              <a:t>. . .</a:t>
-            </a:r>
-          </a:p>
-          <a:p>
-            <a:pPr lvl="0"/>
-            <a:r>
-              <a:t>You </a:t>
-            </a:r>
-            <a:r>
-              <a:rPr b="1"/>
-              <a:t>will not</a:t>
-            </a:r>
-            <a:r>
-              <a:t> be marked present if you attend a practical in a different timeslot (either mode)</a:t>
+          <a:bodyPr/>
+          <a:lstStyle/>
+          <a:p>
+            <a:pPr lvl="0"/>
+            <a:r>
+              <a:t>Only allowed where unavoidable (e.g. consistent clash)</a:t>
+            </a:r>
+          </a:p>
+          <a:p>
+            <a:pPr lvl="0"/>
+            <a:r>
+              <a:rPr>
+                <a:hlinkClick r:id="rId2"/>
+              </a:rPr>
+              <a:t>Email the School Office</a:t>
+            </a:r>
+            <a:r>
+              <a:t> - the teaching team cannot help!</a:t>
             </a:r>
           </a:p>
         </p:txBody>
@@ -5141,12 +5215,12 @@
       </p:grpSpPr>
       <p:sp>
         <p:nvSpPr>
-          <p:cNvPr id="4" name="Text Placeholder 3"/>
-          <p:cNvSpPr>
-            <a:spLocks noGrp="1"/>
-          </p:cNvSpPr>
-          <p:nvPr>
-            <p:ph type="body" sz="half" idx="2"/>
+          <p:cNvPr id="2" name="Title 1"/>
+          <p:cNvSpPr>
+            <a:spLocks noGrp="1"/>
+          </p:cNvSpPr>
+          <p:nvPr>
+            <p:ph type="title"/>
           </p:nvPr>
         </p:nvSpPr>
         <p:spPr/>
@@ -5158,79 +5232,92 @@
               <a:buNone/>
             </a:pPr>
             <a:r>
-              <a:t>Welcome to Analysing Data!</a:t>
-            </a:r>
-          </a:p>
-          <a:p>
-            <a:pPr marL="0" lvl="0" indent="0">
+              <a:t>Overview</a:t>
+            </a:r>
+          </a:p>
+        </p:txBody>
+      </p:sp>
+      <p:sp>
+        <p:nvSpPr>
+          <p:cNvPr id="3" name="Content Placeholder 2"/>
+          <p:cNvSpPr>
+            <a:spLocks noGrp="1"/>
+          </p:cNvSpPr>
+          <p:nvPr>
+            <p:ph idx="1"/>
+          </p:nvPr>
+        </p:nvSpPr>
+        <p:spPr/>
+        <p:txBody>
+          <a:bodyPr/>
+          <a:lstStyle/>
+          <a:p>
+            <a:pPr lvl="0"/>
+            <a:r>
+              <a:rPr dirty="0"/>
+              <a:t>Introductions</a:t>
+            </a:r>
+          </a:p>
+          <a:p>
+            <a:pPr lvl="0"/>
+            <a:r>
+              <a:rPr dirty="0"/>
+              <a:t>Module Structure and Sessions</a:t>
+            </a:r>
+          </a:p>
+          <a:p>
+            <a:pPr lvl="1"/>
+            <a:r>
+              <a:rPr dirty="0"/>
+              <a:t>Attendance Policy and Assessments</a:t>
+            </a:r>
+          </a:p>
+          <a:p>
+            <a:pPr lvl="1"/>
+            <a:r>
+              <a:rPr dirty="0"/>
+              <a:t>Materials and Resources</a:t>
+            </a:r>
+          </a:p>
+          <a:p>
+            <a:pPr lvl="0"/>
+            <a:r>
+              <a:rPr dirty="0" err="1"/>
+              <a:t>Kahoot</a:t>
+            </a:r>
+            <a:r>
+              <a:rPr dirty="0"/>
+              <a:t>! Points and Hex Awards</a:t>
+            </a:r>
+          </a:p>
+          <a:p>
+            <a:pPr lvl="0"/>
+            <a:r>
+              <a:rPr lang="en-GB"/>
+              <a:t>Data skills</a:t>
+            </a:r>
+            <a:endParaRPr dirty="0"/>
+          </a:p>
+          <a:p>
+            <a:pPr marL="1270000" lvl="0" indent="0">
               <a:buNone/>
             </a:pPr>
             <a:r>
-              <a:t>Lecture 01</a:t>
-            </a:r>
-          </a:p>
-          <a:p>
-            <a:pPr marL="0" lvl="0" indent="0">
+              <a:rPr sz="2000" b="1" dirty="0"/>
+              <a:t>Note</a:t>
+            </a:r>
+          </a:p>
+          <a:p>
+            <a:pPr marL="1270000" lvl="0" indent="0">
               <a:buNone/>
             </a:pPr>
             <a:r>
-              <a:t> </a:t>
-            </a:r>
-          </a:p>
-          <a:p>
-            <a:pPr marL="0" lvl="0" indent="0">
-              <a:buNone/>
-            </a:pPr>
-            <a:r>
-              <a:t>Jennifer Mankin, Jenny Terry, and Martina Sladekova</a:t>
-            </a:r>
-          </a:p>
-          <a:p>
-            <a:pPr marL="0" lvl="0" indent="0">
-              <a:buNone/>
-            </a:pPr>
-            <a:r>
-              <a:t>1 February 2024</a:t>
-            </a:r>
-          </a:p>
-          <a:p>
-            <a:pPr marL="0" lvl="0" indent="0">
-              <a:buNone/>
-            </a:pPr>
-            <a:endParaRPr/>
-          </a:p>
-        </p:txBody>
-      </p:sp>
-      <p:pic>
-        <p:nvPicPr>
-          <p:cNvPr id="2" name="Picture 1" descr="images/sussex_logo.png"/>
-          <p:cNvPicPr>
-            <a:picLocks noGrp="1" noChangeAspect="1"/>
-          </p:cNvPicPr>
-          <p:nvPr/>
-        </p:nvPicPr>
-        <p:blipFill>
-          <a:blip r:embed="rId2"/>
-          <a:stretch>
-            <a:fillRect/>
-          </a:stretch>
-        </p:blipFill>
-        <p:spPr bwMode="auto">
-          <a:xfrm>
-            <a:off x="3937000" y="203200"/>
-            <a:ext cx="4381500" cy="4381500"/>
-          </a:xfrm>
-          <a:prstGeom prst="rect">
-            <a:avLst/>
-          </a:prstGeom>
-          <a:noFill/>
-          <a:ln w="9525">
-            <a:noFill/>
-            <a:headEnd/>
-            <a:tailEnd/>
-          </a:ln>
-        </p:spPr>
-      </p:pic>
+              <a:rPr sz="2000" dirty="0"/>
+              <a:t>Differences from PaaS highlighted with ✨sparkles!✨</a:t>
+            </a:r>
+          </a:p>
+        </p:txBody>
+      </p:sp>
     </p:spTree>
   </p:cSld>
   <p:clrMapOvr>
@@ -5266,7 +5353,12 @@
             <p:ph type="title"/>
           </p:nvPr>
         </p:nvSpPr>
-        <p:spPr/>
+        <p:spPr>
+          <a:xfrm>
+            <a:off x="722313" y="3305176"/>
+            <a:ext cx="7772400" cy="1021556"/>
+          </a:xfrm>
+        </p:spPr>
         <p:txBody>
           <a:bodyPr/>
           <a:lstStyle/>
@@ -5275,41 +5367,7 @@
               <a:buNone/>
             </a:pPr>
             <a:r>
-              <a:t>Changing Your Timetable</a:t>
-            </a:r>
-          </a:p>
-        </p:txBody>
-      </p:sp>
-      <p:sp>
-        <p:nvSpPr>
-          <p:cNvPr id="3" name="Content Placeholder 2"/>
-          <p:cNvSpPr>
-            <a:spLocks noGrp="1"/>
-          </p:cNvSpPr>
-          <p:nvPr>
-            <p:ph idx="1"/>
-          </p:nvPr>
-        </p:nvSpPr>
-        <p:spPr/>
-        <p:txBody>
-          <a:bodyPr/>
-          <a:lstStyle/>
-          <a:p>
-            <a:pPr lvl="0"/>
-            <a:r>
-              <a:t>Only allowed where unavoidable (e.g. consistent clash)</a:t>
-            </a:r>
-          </a:p>
-          <a:p>
-            <a:pPr lvl="0"/>
-            <a:r>
-              <a:rPr>
-                <a:hlinkClick r:id="rId2"/>
-              </a:rPr>
-              <a:t>Email the School Office</a:t>
-            </a:r>
-            <a:r>
-              <a:t> - the teaching team cannot help!</a:t>
+              <a:t>Assessments</a:t>
             </a:r>
           </a:p>
         </p:txBody>
@@ -5323,60 +5381,6 @@
 </file>
 
 <file path=ppt/slides/slide21.xml><?xml version="1.0" encoding="utf-8"?>
-<p:sld xmlns:a="http://schemas.openxmlformats.org/drawingml/2006/main" xmlns:r="http://schemas.openxmlformats.org/officeDocument/2006/relationships" xmlns:p="http://schemas.openxmlformats.org/presentationml/2006/main">
-  <p:cSld>
-    <p:spTree>
-      <p:nvGrpSpPr>
-        <p:cNvPr id="1" name=""/>
-        <p:cNvGrpSpPr/>
-        <p:nvPr/>
-      </p:nvGrpSpPr>
-      <p:grpSpPr>
-        <a:xfrm>
-          <a:off x="0" y="0"/>
-          <a:ext cx="0" cy="0"/>
-          <a:chOff x="0" y="0"/>
-          <a:chExt cx="0" cy="0"/>
-        </a:xfrm>
-      </p:grpSpPr>
-      <p:sp>
-        <p:nvSpPr>
-          <p:cNvPr id="2" name="Title 1"/>
-          <p:cNvSpPr>
-            <a:spLocks noGrp="1"/>
-          </p:cNvSpPr>
-          <p:nvPr>
-            <p:ph type="title"/>
-          </p:nvPr>
-        </p:nvSpPr>
-        <p:spPr>
-          <a:xfrm>
-            <a:off x="722313" y="3305176"/>
-            <a:ext cx="7772400" cy="1021556"/>
-          </a:xfrm>
-        </p:spPr>
-        <p:txBody>
-          <a:bodyPr/>
-          <a:lstStyle/>
-          <a:p>
-            <a:pPr marL="0" lvl="0" indent="0">
-              <a:buNone/>
-            </a:pPr>
-            <a:r>
-              <a:t>Assessments</a:t>
-            </a:r>
-          </a:p>
-        </p:txBody>
-      </p:sp>
-    </p:spTree>
-  </p:cSld>
-  <p:clrMapOvr>
-    <a:masterClrMapping/>
-  </p:clrMapOvr>
-</p:sld>
-</file>
-
-<file path=ppt/slides/slide22.xml><?xml version="1.0" encoding="utf-8"?>
 <p:sld xmlns:a="http://schemas.openxmlformats.org/drawingml/2006/main" xmlns:r="http://schemas.openxmlformats.org/officeDocument/2006/relationships" xmlns:p="http://schemas.openxmlformats.org/presentationml/2006/main">
   <p:cSld>
     <p:spTree>
@@ -5770,7 +5774,7 @@
 </p:sld>
 </file>
 
-<file path=ppt/slides/slide23.xml><?xml version="1.0" encoding="utf-8"?>
+<file path=ppt/slides/slide22.xml><?xml version="1.0" encoding="utf-8"?>
 <p:sld xmlns:a="http://schemas.openxmlformats.org/drawingml/2006/main" xmlns:r="http://schemas.openxmlformats.org/officeDocument/2006/relationships" xmlns:p="http://schemas.openxmlformats.org/presentationml/2006/main">
   <p:cSld>
     <p:spTree>
@@ -5902,7 +5906,7 @@
 </p:sld>
 </file>
 
-<file path=ppt/slides/slide24.xml><?xml version="1.0" encoding="utf-8"?>
+<file path=ppt/slides/slide23.xml><?xml version="1.0" encoding="utf-8"?>
 <p:sld xmlns:a="http://schemas.openxmlformats.org/drawingml/2006/main" xmlns:r="http://schemas.openxmlformats.org/officeDocument/2006/relationships" xmlns:p="http://schemas.openxmlformats.org/presentationml/2006/main">
   <p:cSld>
     <p:spTree>
@@ -6250,6 +6254,136 @@
 </p:sld>
 </file>
 
+<file path=ppt/slides/slide24.xml><?xml version="1.0" encoding="utf-8"?>
+<p:sld xmlns:a="http://schemas.openxmlformats.org/drawingml/2006/main" xmlns:r="http://schemas.openxmlformats.org/officeDocument/2006/relationships" xmlns:p="http://schemas.openxmlformats.org/presentationml/2006/main">
+  <p:cSld>
+    <p:spTree>
+      <p:nvGrpSpPr>
+        <p:cNvPr id="1" name=""/>
+        <p:cNvGrpSpPr/>
+        <p:nvPr/>
+      </p:nvGrpSpPr>
+      <p:grpSpPr>
+        <a:xfrm>
+          <a:off x="0" y="0"/>
+          <a:ext cx="0" cy="0"/>
+          <a:chOff x="0" y="0"/>
+          <a:chExt cx="0" cy="0"/>
+        </a:xfrm>
+      </p:grpSpPr>
+      <p:sp>
+        <p:nvSpPr>
+          <p:cNvPr id="2" name="Title 1"/>
+          <p:cNvSpPr>
+            <a:spLocks noGrp="1"/>
+          </p:cNvSpPr>
+          <p:nvPr>
+            <p:ph type="title"/>
+          </p:nvPr>
+        </p:nvSpPr>
+        <p:spPr/>
+        <p:txBody>
+          <a:bodyPr/>
+          <a:lstStyle/>
+          <a:p>
+            <a:pPr marL="0" lvl="0" indent="0">
+              <a:buNone/>
+            </a:pPr>
+            <a:r>
+              <a:t>✨Take-Away Paper</a:t>
+            </a:r>
+          </a:p>
+        </p:txBody>
+      </p:sp>
+      <p:sp>
+        <p:nvSpPr>
+          <p:cNvPr id="3" name="Content Placeholder 2"/>
+          <p:cNvSpPr>
+            <a:spLocks noGrp="1"/>
+          </p:cNvSpPr>
+          <p:nvPr>
+            <p:ph idx="1"/>
+          </p:nvPr>
+        </p:nvSpPr>
+        <p:spPr/>
+        <p:txBody>
+          <a:bodyPr>
+            <a:normAutofit lnSpcReduction="10000"/>
+          </a:bodyPr>
+          <a:lstStyle/>
+          <a:p>
+            <a:pPr marL="0" lvl="0" indent="0">
+              <a:buNone/>
+            </a:pPr>
+            <a:r>
+              <a:rPr>
+                <a:hlinkClick r:id="rId2"/>
+              </a:rPr>
+              <a:t>Take-Away Paper Information</a:t>
+            </a:r>
+            <a:r>
+              <a:t> released around Week 5</a:t>
+            </a:r>
+          </a:p>
+          <a:p>
+            <a:pPr lvl="0"/>
+            <a:r>
+              <a:t>48 hours Monday - Wednesday Week 7  </a:t>
+            </a:r>
+          </a:p>
+          <a:p>
+            <a:pPr lvl="0"/>
+            <a:r>
+              <a:t>Series of tasks which may include:</a:t>
+            </a:r>
+          </a:p>
+          <a:p>
+            <a:pPr lvl="1"/>
+            <a:r>
+              <a:t>Making and justifying data analysis decisions</a:t>
+            </a:r>
+          </a:p>
+          <a:p>
+            <a:pPr lvl="1"/>
+            <a:r>
+              <a:t>Data inspection/cleaning, describing</a:t>
+            </a:r>
+          </a:p>
+          <a:p>
+            <a:pPr lvl="1"/>
+            <a:r>
+              <a:t>Data manipulation and summarising</a:t>
+            </a:r>
+          </a:p>
+          <a:p>
+            <a:pPr lvl="1"/>
+            <a:r>
+              <a:t>Performing and reporting a statistical analysis</a:t>
+            </a:r>
+          </a:p>
+          <a:p>
+            <a:pPr lvl="0"/>
+            <a:r>
+              <a:t>To best prepare, complete tutorials and worksheets, and </a:t>
+            </a:r>
+            <a:r>
+              <a:rPr b="1"/>
+              <a:t>come to Skills Labs</a:t>
+            </a:r>
+            <a:r>
+              <a:t>!</a:t>
+            </a:r>
+          </a:p>
+        </p:txBody>
+      </p:sp>
+    </p:spTree>
+  </p:cSld>
+  <p:clrMapOvr>
+    <a:masterClrMapping/>
+  </p:clrMapOvr>
+</p:sld>
+</file>
+
 <file path=ppt/slides/slide25.xml><?xml version="1.0" encoding="utf-8"?>
 <p:sld xmlns:a="http://schemas.openxmlformats.org/drawingml/2006/main" xmlns:r="http://schemas.openxmlformats.org/officeDocument/2006/relationships" xmlns:p="http://schemas.openxmlformats.org/presentationml/2006/main">
   <p:cSld>
@@ -6286,7 +6420,7 @@
               <a:buNone/>
             </a:pPr>
             <a:r>
-              <a:t>✨Take-Away Paper</a:t>
+              <a:t>Research Participation</a:t>
             </a:r>
           </a:p>
         </p:txBody>
@@ -6304,70 +6438,74 @@
         <p:spPr/>
         <p:txBody>
           <a:bodyPr>
-            <a:normAutofit lnSpcReduction="10000"/>
+            <a:normAutofit fontScale="92500" lnSpcReduction="10000"/>
           </a:bodyPr>
           <a:lstStyle/>
           <a:p>
             <a:pPr marL="0" lvl="0" indent="0">
               <a:buNone/>
             </a:pPr>
+            <a:r>
+              <a:t>SONA information </a:t>
+            </a:r>
             <a:r>
               <a:rPr>
                 <a:hlinkClick r:id="rId2"/>
               </a:rPr>
-              <a:t>Take-Away Paper Information</a:t>
-            </a:r>
-            <a:r>
-              <a:t> released around Week 5</a:t>
-            </a:r>
-          </a:p>
-          <a:p>
-            <a:pPr lvl="0"/>
-            <a:r>
-              <a:t>48 hours Monday - Wednesday Week 7  </a:t>
-            </a:r>
-          </a:p>
-          <a:p>
-            <a:pPr lvl="0"/>
-            <a:r>
-              <a:t>Series of tasks which may include:</a:t>
+              <a:t>on Canvas</a:t>
+            </a:r>
+            <a:r>
+              <a:t> and </a:t>
+            </a:r>
+            <a:r>
+              <a:rPr>
+                <a:hlinkClick r:id="rId3"/>
+              </a:rPr>
+              <a:t>on the Psychology website</a:t>
+            </a:r>
+          </a:p>
+          <a:p>
+            <a:pPr lvl="0"/>
+            <a:r>
+              <a:t>Complete five hours of research participation before the end of term</a:t>
+            </a:r>
+          </a:p>
+          <a:p>
+            <a:pPr lvl="0"/>
+            <a:r>
+              <a:t>Via SONA, same as last term</a:t>
+            </a:r>
+          </a:p>
+          <a:p>
+            <a:pPr lvl="0"/>
+            <a:r>
+              <a:t>Requirement to complete credits live</a:t>
             </a:r>
           </a:p>
           <a:p>
             <a:pPr lvl="1"/>
             <a:r>
-              <a:t>Making and justifying data analysis decisions</a:t>
+              <a:t>You must complete 20% of your credits in “live” studies (in person, or over Zoom)</a:t>
+            </a:r>
+          </a:p>
+          <a:p>
+            <a:pPr lvl="0"/>
+            <a:r>
+              <a:t>Students registered with the Student Support Unit are </a:t>
+            </a:r>
+            <a:r>
+              <a:rPr b="1"/>
+              <a:t>exempted automatically</a:t>
             </a:r>
           </a:p>
           <a:p>
             <a:pPr lvl="1"/>
             <a:r>
-              <a:t>Data inspection/cleaning, describing</a:t>
-            </a:r>
-          </a:p>
-          <a:p>
-            <a:pPr lvl="1"/>
-            <a:r>
-              <a:t>Data manipulation and summarising</a:t>
-            </a:r>
-          </a:p>
-          <a:p>
-            <a:pPr lvl="1"/>
-            <a:r>
-              <a:t>Performing and reporting a statistical analysis</a:t>
-            </a:r>
-          </a:p>
-          <a:p>
-            <a:pPr lvl="0"/>
-            <a:r>
-              <a:t>To best prepare, complete tutorials and worksheets, and </a:t>
-            </a:r>
-            <a:r>
-              <a:rPr b="1"/>
-              <a:t>come to Skills Labs</a:t>
-            </a:r>
-            <a:r>
-              <a:t>!</a:t>
+              <a:rPr i="1"/>
+              <a:t>Can</a:t>
+            </a:r>
+            <a:r>
+              <a:t> participate in live studies but are not required to</a:t>
             </a:r>
           </a:p>
         </p:txBody>
@@ -6416,7 +6554,7 @@
               <a:buNone/>
             </a:pPr>
             <a:r>
-              <a:t>Research Participation</a:t>
+              <a:t>Exam</a:t>
             </a:r>
           </a:p>
         </p:txBody>
@@ -6433,75 +6571,49 @@
         </p:nvSpPr>
         <p:spPr/>
         <p:txBody>
-          <a:bodyPr>
-            <a:normAutofit fontScale="92500" lnSpcReduction="10000"/>
-          </a:bodyPr>
+          <a:bodyPr/>
           <a:lstStyle/>
           <a:p>
             <a:pPr marL="0" lvl="0" indent="0">
               <a:buNone/>
             </a:pPr>
-            <a:r>
-              <a:t>SONA information </a:t>
-            </a:r>
             <a:r>
               <a:rPr>
                 <a:hlinkClick r:id="rId2"/>
               </a:rPr>
-              <a:t>on Canvas</a:t>
-            </a:r>
-            <a:r>
-              <a:t> and </a:t>
-            </a:r>
-            <a:r>
-              <a:rPr>
-                <a:hlinkClick r:id="rId3"/>
-              </a:rPr>
-              <a:t>on the Psychology website</a:t>
-            </a:r>
-          </a:p>
-          <a:p>
-            <a:pPr lvl="0"/>
-            <a:r>
-              <a:t>Complete five hours of research participation before the end of term</a:t>
-            </a:r>
-          </a:p>
-          <a:p>
-            <a:pPr lvl="0"/>
-            <a:r>
-              <a:t>Via SONA, same as last term</a:t>
-            </a:r>
-          </a:p>
-          <a:p>
-            <a:pPr lvl="0"/>
-            <a:r>
-              <a:t>Requirement to complete credits live</a:t>
-            </a:r>
-          </a:p>
-          <a:p>
-            <a:pPr lvl="1"/>
-            <a:r>
-              <a:t>You must complete 20% of your credits in “live” studies (in person, or over Zoom)</a:t>
-            </a:r>
-          </a:p>
-          <a:p>
-            <a:pPr lvl="0"/>
-            <a:r>
-              <a:t>Students registered with the Student Support Unit are </a:t>
+              <a:t>Exam Information</a:t>
+            </a:r>
+            <a:r>
+              <a:t> to be released near the end of term</a:t>
+            </a:r>
+          </a:p>
+          <a:p>
+            <a:pPr lvl="0"/>
+            <a:r>
+              <a:t>Two-hour, 50-question MCQ exam in A2 (May)</a:t>
+            </a:r>
+          </a:p>
+          <a:p>
+            <a:pPr lvl="0"/>
+            <a:r>
+              <a:t>✨Covers </a:t>
             </a:r>
             <a:r>
               <a:rPr b="1"/>
-              <a:t>exempted automatically</a:t>
-            </a:r>
-          </a:p>
-          <a:p>
-            <a:pPr lvl="1"/>
-            <a:r>
-              <a:rPr i="1"/>
-              <a:t>Can</a:t>
-            </a:r>
-            <a:r>
-              <a:t> participate in live studies but are not required to</a:t>
+              <a:t>everything</a:t>
+            </a:r>
+            <a:r>
+              <a:t> on the module, both stats and R!</a:t>
+            </a:r>
+          </a:p>
+          <a:p>
+            <a:pPr lvl="0"/>
+            <a:r>
+              <a:t>Will take place </a:t>
+            </a:r>
+            <a:r>
+              <a:rPr b="1"/>
+              <a:t>online</a:t>
             </a:r>
           </a:p>
         </p:txBody>
@@ -6541,7 +6653,12 @@
             <p:ph type="title"/>
           </p:nvPr>
         </p:nvSpPr>
-        <p:spPr/>
+        <p:spPr>
+          <a:xfrm>
+            <a:off x="722313" y="3305176"/>
+            <a:ext cx="7772400" cy="1021556"/>
+          </a:xfrm>
+        </p:spPr>
         <p:txBody>
           <a:bodyPr/>
           <a:lstStyle/>
@@ -6550,66 +6667,7 @@
               <a:buNone/>
             </a:pPr>
             <a:r>
-              <a:t>Exam</a:t>
-            </a:r>
-          </a:p>
-        </p:txBody>
-      </p:sp>
-      <p:sp>
-        <p:nvSpPr>
-          <p:cNvPr id="3" name="Content Placeholder 2"/>
-          <p:cNvSpPr>
-            <a:spLocks noGrp="1"/>
-          </p:cNvSpPr>
-          <p:nvPr>
-            <p:ph idx="1"/>
-          </p:nvPr>
-        </p:nvSpPr>
-        <p:spPr/>
-        <p:txBody>
-          <a:bodyPr/>
-          <a:lstStyle/>
-          <a:p>
-            <a:pPr marL="0" lvl="0" indent="0">
-              <a:buNone/>
-            </a:pPr>
-            <a:r>
-              <a:rPr>
-                <a:hlinkClick r:id="rId2"/>
-              </a:rPr>
-              <a:t>Exam Information</a:t>
-            </a:r>
-            <a:r>
-              <a:t> to be released near the end of term</a:t>
-            </a:r>
-          </a:p>
-          <a:p>
-            <a:pPr lvl="0"/>
-            <a:r>
-              <a:t>Two-hour, 50-question MCQ exam in A2 (May)</a:t>
-            </a:r>
-          </a:p>
-          <a:p>
-            <a:pPr lvl="0"/>
-            <a:r>
-              <a:t>✨Covers </a:t>
-            </a:r>
-            <a:r>
-              <a:rPr b="1"/>
-              <a:t>everything</a:t>
-            </a:r>
-            <a:r>
-              <a:t> on the module, both stats and R!</a:t>
-            </a:r>
-          </a:p>
-          <a:p>
-            <a:pPr lvl="0"/>
-            <a:r>
-              <a:t>Will take place </a:t>
-            </a:r>
-            <a:r>
-              <a:rPr b="1"/>
-              <a:t>online</a:t>
+              <a:t>Materials and Resources</a:t>
             </a:r>
           </a:p>
         </p:txBody>
@@ -6649,21 +6707,153 @@
             <p:ph type="title"/>
           </p:nvPr>
         </p:nvSpPr>
+        <p:spPr/>
+        <p:txBody>
+          <a:bodyPr/>
+          <a:lstStyle/>
+          <a:p>
+            <a:pPr marL="0" lvl="0" indent="0">
+              <a:buNone/>
+            </a:pPr>
+            <a:r>
+              <a:t>Canvas</a:t>
+            </a:r>
+          </a:p>
+        </p:txBody>
+      </p:sp>
+      <p:sp>
+        <p:nvSpPr>
+          <p:cNvPr id="3" name="Content Placeholder 2"/>
+          <p:cNvSpPr>
+            <a:spLocks noGrp="1"/>
+          </p:cNvSpPr>
+          <p:nvPr>
+            <p:ph idx="1"/>
+          </p:nvPr>
+        </p:nvSpPr>
         <p:spPr>
           <a:xfrm>
-            <a:off x="722313" y="3305176"/>
-            <a:ext cx="7772400" cy="1021556"/>
+            <a:off x="457200" y="1200151"/>
+            <a:ext cx="8229600" cy="3490382"/>
           </a:xfrm>
         </p:spPr>
         <p:txBody>
-          <a:bodyPr/>
+          <a:bodyPr>
+            <a:normAutofit fontScale="85000" lnSpcReduction="20000"/>
+          </a:bodyPr>
           <a:lstStyle/>
           <a:p>
             <a:pPr marL="0" lvl="0" indent="0">
               <a:buNone/>
             </a:pPr>
             <a:r>
-              <a:t>Materials and Resources</a:t>
+              <a:rPr dirty="0"/>
+              <a:t>Repository of all </a:t>
+            </a:r>
+            <a:r>
+              <a:rPr b="1" dirty="0"/>
+              <a:t>administrative</a:t>
+            </a:r>
+            <a:r>
+              <a:rPr dirty="0"/>
+              <a:t> info about the module</a:t>
+            </a:r>
+          </a:p>
+          <a:p>
+            <a:pPr lvl="0"/>
+            <a:r>
+              <a:rPr dirty="0"/>
+              <a:t>Schedule and syllabus</a:t>
+            </a:r>
+          </a:p>
+          <a:p>
+            <a:pPr lvl="0"/>
+            <a:r>
+              <a:rPr dirty="0"/>
+              <a:t>Assessment info and resources</a:t>
+            </a:r>
+          </a:p>
+          <a:p>
+            <a:pPr lvl="0"/>
+            <a:r>
+              <a:rPr dirty="0"/>
+              <a:t>Assessment submission points</a:t>
+            </a:r>
+          </a:p>
+          <a:p>
+            <a:pPr lvl="0"/>
+            <a:r>
+              <a:rPr dirty="0"/>
+              <a:t>Quiz and exam testing</a:t>
+            </a:r>
+          </a:p>
+          <a:p>
+            <a:pPr lvl="0"/>
+            <a:r>
+              <a:rPr dirty="0"/>
+              <a:t>Policies, rules, and guidelines</a:t>
+            </a:r>
+          </a:p>
+          <a:p>
+            <a:pPr marL="0" lvl="0" indent="0">
+              <a:buNone/>
+            </a:pPr>
+            <a:r>
+              <a:rPr dirty="0"/>
+              <a:t>Also hosts </a:t>
+            </a:r>
+            <a:r>
+              <a:rPr b="1" dirty="0"/>
+              <a:t>all session recordings</a:t>
+            </a:r>
+            <a:r>
+              <a:rPr dirty="0"/>
+              <a:t> under </a:t>
+            </a:r>
+            <a:r>
+              <a:rPr dirty="0" err="1"/>
+              <a:t>Panopto</a:t>
+            </a:r>
+            <a:r>
+              <a:rPr dirty="0"/>
+              <a:t> Recordings</a:t>
+            </a:r>
+          </a:p>
+          <a:p>
+            <a:pPr marL="0" lvl="0" indent="0">
+              <a:buNone/>
+            </a:pPr>
+            <a:r>
+              <a:rPr dirty="0"/>
+              <a:t>. . .</a:t>
+            </a:r>
+          </a:p>
+          <a:p>
+            <a:pPr marL="1270000" lvl="0" indent="0">
+              <a:buNone/>
+            </a:pPr>
+            <a:r>
+              <a:rPr sz="2000" b="1" dirty="0"/>
+              <a:t>Important</a:t>
+            </a:r>
+          </a:p>
+          <a:p>
+            <a:pPr marL="1270000" lvl="0" indent="0">
+              <a:buNone/>
+            </a:pPr>
+            <a:r>
+              <a:rPr sz="2000" dirty="0"/>
+              <a:t>If you have a question about the module or assessments, ✨</a:t>
+            </a:r>
+            <a:r>
+              <a:rPr sz="2000" b="1" dirty="0">
+                <a:hlinkClick r:id="rId2"/>
+              </a:rPr>
+              <a:t>check Canvas first</a:t>
+            </a:r>
+            <a:r>
+              <a:rPr sz="2000" dirty="0"/>
+              <a:t>!</a:t>
             </a:r>
           </a:p>
         </p:txBody>
@@ -6712,7 +6902,7 @@
               <a:buNone/>
             </a:pPr>
             <a:r>
-              <a:t>Canvas</a:t>
+              <a:t>Website</a:t>
             </a:r>
           </a:p>
         </p:txBody>
@@ -6727,128 +6917,79 @@
             <p:ph idx="1"/>
           </p:nvPr>
         </p:nvSpPr>
-        <p:spPr>
-          <a:xfrm>
-            <a:off x="457200" y="1200151"/>
-            <a:ext cx="8229600" cy="3490382"/>
-          </a:xfrm>
-        </p:spPr>
-        <p:txBody>
-          <a:bodyPr>
-            <a:normAutofit fontScale="85000" lnSpcReduction="20000"/>
-          </a:bodyPr>
-          <a:lstStyle/>
-          <a:p>
-            <a:pPr marL="0" lvl="0" indent="0">
+        <p:spPr/>
+        <p:txBody>
+          <a:bodyPr/>
+          <a:lstStyle/>
+          <a:p>
+            <a:pPr lvl="0"/>
+            <a:r>
+              <a:t>Repository of (almost) all module </a:t>
+            </a:r>
+            <a:r>
+              <a:rPr b="1"/>
+              <a:t>content</a:t>
+            </a:r>
+          </a:p>
+          <a:p>
+            <a:pPr lvl="1"/>
+            <a:r>
+              <a:t>✨Lecture slides</a:t>
+            </a:r>
+          </a:p>
+          <a:p>
+            <a:pPr lvl="1"/>
+            <a:r>
+              <a:t>✨Tutorial and practical materials</a:t>
+            </a:r>
+          </a:p>
+          <a:p>
+            <a:pPr lvl="1"/>
+            <a:r>
+              <a:t>✨Skills Lab example solutions</a:t>
+            </a:r>
+          </a:p>
+          <a:p>
+            <a:pPr lvl="0"/>
+            <a:r>
+              <a:t>Contains everything you might read/refer to</a:t>
+            </a:r>
+          </a:p>
+          <a:p>
+            <a:pPr lvl="1"/>
+            <a:r>
+              <a:rPr b="1"/>
+              <a:t>Exception</a:t>
+            </a:r>
+            <a:r>
+              <a:t>: Lecture/Skills Lab recordings on Canvas as usual</a:t>
+            </a:r>
+          </a:p>
+          <a:p>
+            <a:pPr marL="1270000" lvl="0" indent="0">
               <a:buNone/>
             </a:pPr>
             <a:r>
-              <a:rPr dirty="0"/>
-              <a:t>Repository of all </a:t>
-            </a:r>
-            <a:r>
-              <a:rPr b="1" dirty="0"/>
-              <a:t>administrative</a:t>
-            </a:r>
-            <a:r>
-              <a:rPr dirty="0"/>
-              <a:t> info about the module</a:t>
-            </a:r>
-          </a:p>
-          <a:p>
-            <a:pPr lvl="0"/>
-            <a:r>
-              <a:rPr dirty="0"/>
-              <a:t>Schedule and syllabus</a:t>
-            </a:r>
-          </a:p>
-          <a:p>
-            <a:pPr lvl="0"/>
-            <a:r>
-              <a:rPr dirty="0"/>
-              <a:t>Assessment info and resources</a:t>
-            </a:r>
-          </a:p>
-          <a:p>
-            <a:pPr lvl="0"/>
-            <a:r>
-              <a:rPr dirty="0"/>
-              <a:t>Assessment submission points</a:t>
-            </a:r>
-          </a:p>
-          <a:p>
-            <a:pPr lvl="0"/>
-            <a:r>
-              <a:rPr dirty="0"/>
-              <a:t>Quiz and exam testing</a:t>
-            </a:r>
-          </a:p>
-          <a:p>
-            <a:pPr lvl="0"/>
-            <a:r>
-              <a:rPr dirty="0"/>
-              <a:t>Policies, rules, and guidelines</a:t>
-            </a:r>
-          </a:p>
-          <a:p>
-            <a:pPr marL="0" lvl="0" indent="0">
+              <a:rPr sz="2000" b="1"/>
+              <a:t>Important</a:t>
+            </a:r>
+          </a:p>
+          <a:p>
+            <a:pPr marL="1270000" lvl="0" indent="0">
               <a:buNone/>
             </a:pPr>
             <a:r>
-              <a:rPr dirty="0"/>
-              <a:t>Also hosts </a:t>
-            </a:r>
-            <a:r>
-              <a:rPr b="1" dirty="0"/>
-              <a:t>all session recordings</a:t>
-            </a:r>
-            <a:r>
-              <a:rPr dirty="0"/>
-              <a:t> under </a:t>
-            </a:r>
-            <a:r>
-              <a:rPr dirty="0" err="1"/>
-              <a:t>Panopto</a:t>
-            </a:r>
-            <a:r>
-              <a:rPr dirty="0"/>
-              <a:t> Recordings</a:t>
-            </a:r>
-          </a:p>
-          <a:p>
-            <a:pPr marL="0" lvl="0" indent="0">
-              <a:buNone/>
-            </a:pPr>
-            <a:r>
-              <a:rPr dirty="0"/>
-              <a:t>. . .</a:t>
-            </a:r>
-          </a:p>
-          <a:p>
-            <a:pPr marL="1270000" lvl="0" indent="0">
-              <a:buNone/>
-            </a:pPr>
-            <a:r>
-              <a:rPr sz="2000" b="1" dirty="0"/>
-              <a:t>Important</a:t>
-            </a:r>
-          </a:p>
-          <a:p>
-            <a:pPr marL="1270000" lvl="0" indent="0">
-              <a:buNone/>
-            </a:pPr>
-            <a:r>
-              <a:rPr sz="2000" dirty="0"/>
-              <a:t>If you have a question about the module or assessments, ✨</a:t>
-            </a:r>
-            <a:r>
-              <a:rPr sz="2000" b="1" dirty="0">
+              <a:rPr sz="2000"/>
+              <a:t>Check out the module website at </a:t>
+            </a:r>
+            <a:r>
+              <a:rPr sz="2000">
                 <a:hlinkClick r:id="rId2"/>
               </a:rPr>
-              <a:t>check Canvas first</a:t>
-            </a:r>
-            <a:r>
-              <a:rPr sz="2000" dirty="0"/>
+              <a:t>https://and-sussex.netlify.app</a:t>
+            </a:r>
+            <a:r>
+              <a:rPr sz="2000"/>
               <a:t>!</a:t>
             </a:r>
           </a:p>
@@ -6889,7 +7030,12 @@
             <p:ph type="title"/>
           </p:nvPr>
         </p:nvSpPr>
-        <p:spPr/>
+        <p:spPr>
+          <a:xfrm>
+            <a:off x="722313" y="3305176"/>
+            <a:ext cx="7772400" cy="1021556"/>
+          </a:xfrm>
+        </p:spPr>
         <p:txBody>
           <a:bodyPr/>
           <a:lstStyle/>
@@ -6898,77 +7044,7 @@
               <a:buNone/>
             </a:pPr>
             <a:r>
-              <a:t>Overview</a:t>
-            </a:r>
-          </a:p>
-        </p:txBody>
-      </p:sp>
-      <p:sp>
-        <p:nvSpPr>
-          <p:cNvPr id="3" name="Content Placeholder 2"/>
-          <p:cNvSpPr>
-            <a:spLocks noGrp="1"/>
-          </p:cNvSpPr>
-          <p:nvPr>
-            <p:ph idx="1"/>
-          </p:nvPr>
-        </p:nvSpPr>
-        <p:spPr/>
-        <p:txBody>
-          <a:bodyPr/>
-          <a:lstStyle/>
-          <a:p>
-            <a:pPr lvl="0"/>
-            <a:r>
-              <a:t>Introductions</a:t>
-            </a:r>
-          </a:p>
-          <a:p>
-            <a:pPr lvl="0"/>
-            <a:r>
-              <a:t>Module Structure and Sessions</a:t>
-            </a:r>
-          </a:p>
-          <a:p>
-            <a:pPr lvl="1"/>
-            <a:r>
-              <a:t>Attendance Policy and Assessments</a:t>
-            </a:r>
-          </a:p>
-          <a:p>
-            <a:pPr lvl="1"/>
-            <a:r>
-              <a:t>Materials and Resources</a:t>
-            </a:r>
-          </a:p>
-          <a:p>
-            <a:pPr lvl="0"/>
-            <a:r>
-              <a:t>Kahoot! Points and Hex Awards</a:t>
-            </a:r>
-          </a:p>
-          <a:p>
-            <a:pPr lvl="0"/>
-            <a:r>
-              <a:t>How to Succeed with Martina</a:t>
-            </a:r>
-          </a:p>
-          <a:p>
-            <a:pPr marL="1270000" lvl="0" indent="0">
-              <a:buNone/>
-            </a:pPr>
-            <a:r>
-              <a:rPr sz="2000" b="1"/>
-              <a:t>Note</a:t>
-            </a:r>
-          </a:p>
-          <a:p>
-            <a:pPr marL="1270000" lvl="0" indent="0">
-              <a:buNone/>
-            </a:pPr>
-            <a:r>
-              <a:rPr sz="2000"/>
-              <a:t>Differences from PaaS highlighted with ✨sparkles!✨</a:t>
+              <a:t>Module Information</a:t>
             </a:r>
           </a:p>
         </p:txBody>
@@ -7017,7 +7093,7 @@
               <a:buNone/>
             </a:pPr>
             <a:r>
-              <a:t>Website</a:t>
+              <a:t>Posit Cloud</a:t>
             </a:r>
           </a:p>
         </p:txBody>
@@ -7039,45 +7115,31 @@
           <a:p>
             <a:pPr lvl="0"/>
             <a:r>
-              <a:t>Repository of (almost) all module </a:t>
-            </a:r>
-            <a:r>
-              <a:rPr b="1"/>
-              <a:t>content</a:t>
+              <a:t>Weekly projects containing:</a:t>
             </a:r>
           </a:p>
           <a:p>
             <a:pPr lvl="1"/>
             <a:r>
-              <a:t>✨Lecture slides</a:t>
+              <a:t>✨Tutorial notebooks</a:t>
             </a:r>
           </a:p>
           <a:p>
             <a:pPr lvl="1"/>
             <a:r>
-              <a:t>✨Tutorial and practical materials</a:t>
+              <a:t>✨Skills Lab notebooks</a:t>
             </a:r>
           </a:p>
           <a:p>
             <a:pPr lvl="1"/>
             <a:r>
-              <a:t>✨Skills Lab example solutions</a:t>
-            </a:r>
-          </a:p>
-          <a:p>
-            <a:pPr lvl="0"/>
-            <a:r>
-              <a:t>Contains everything you might read/refer to</a:t>
-            </a:r>
-          </a:p>
-          <a:p>
-            <a:pPr lvl="1"/>
-            <a:r>
-              <a:rPr b="1"/>
-              <a:t>Exception</a:t>
-            </a:r>
-            <a:r>
-              <a:t>: Lecture/Skills Lab recordings on Canvas as usual</a:t>
+              <a:t>✨Practical worksheets</a:t>
+            </a:r>
+          </a:p>
+          <a:p>
+            <a:pPr lvl="0"/>
+            <a:r>
+              <a:t>Contains everything you might do/complete</a:t>
             </a:r>
           </a:p>
           <a:p>
@@ -7095,13 +7157,13 @@
             </a:pPr>
             <a:r>
               <a:rPr sz="2000"/>
-              <a:t>Check out the module website at </a:t>
+              <a:t>Complete each week project </a:t>
             </a:r>
             <a:r>
               <a:rPr sz="2000">
                 <a:hlinkClick r:id="rId2"/>
               </a:rPr>
-              <a:t>https://and-sussex.netlify.app</a:t>
+              <a:t>on the Cloud</a:t>
             </a:r>
             <a:r>
               <a:rPr sz="2000"/>
@@ -7145,7 +7207,12 @@
             <p:ph type="title"/>
           </p:nvPr>
         </p:nvSpPr>
-        <p:spPr/>
+        <p:spPr>
+          <a:xfrm>
+            <a:off x="722313" y="3305176"/>
+            <a:ext cx="7772400" cy="1021556"/>
+          </a:xfrm>
+        </p:spPr>
         <p:txBody>
           <a:bodyPr/>
           <a:lstStyle/>
@@ -7154,81 +7221,7 @@
               <a:buNone/>
             </a:pPr>
             <a:r>
-              <a:t>Posit Cloud</a:t>
-            </a:r>
-          </a:p>
-        </p:txBody>
-      </p:sp>
-      <p:sp>
-        <p:nvSpPr>
-          <p:cNvPr id="3" name="Content Placeholder 2"/>
-          <p:cNvSpPr>
-            <a:spLocks noGrp="1"/>
-          </p:cNvSpPr>
-          <p:nvPr>
-            <p:ph idx="1"/>
-          </p:nvPr>
-        </p:nvSpPr>
-        <p:spPr/>
-        <p:txBody>
-          <a:bodyPr/>
-          <a:lstStyle/>
-          <a:p>
-            <a:pPr lvl="0"/>
-            <a:r>
-              <a:t>Weekly projects containing:</a:t>
-            </a:r>
-          </a:p>
-          <a:p>
-            <a:pPr lvl="1"/>
-            <a:r>
-              <a:t>✨Tutorial notebooks</a:t>
-            </a:r>
-          </a:p>
-          <a:p>
-            <a:pPr lvl="1"/>
-            <a:r>
-              <a:t>✨Skills Lab notebooks</a:t>
-            </a:r>
-          </a:p>
-          <a:p>
-            <a:pPr lvl="1"/>
-            <a:r>
-              <a:t>✨Practical worksheets</a:t>
-            </a:r>
-          </a:p>
-          <a:p>
-            <a:pPr lvl="0"/>
-            <a:r>
-              <a:t>Contains everything you might do/complete</a:t>
-            </a:r>
-          </a:p>
-          <a:p>
-            <a:pPr marL="1270000" lvl="0" indent="0">
-              <a:buNone/>
-            </a:pPr>
-            <a:r>
-              <a:rPr sz="2000" b="1"/>
-              <a:t>Important</a:t>
-            </a:r>
-          </a:p>
-          <a:p>
-            <a:pPr marL="1270000" lvl="0" indent="0">
-              <a:buNone/>
-            </a:pPr>
-            <a:r>
-              <a:rPr sz="2000"/>
-              <a:t>Complete each week project </a:t>
-            </a:r>
-            <a:r>
-              <a:rPr sz="2000">
-                <a:hlinkClick r:id="rId2"/>
-              </a:rPr>
-              <a:t>on the Cloud</a:t>
-            </a:r>
-            <a:r>
-              <a:rPr sz="2000"/>
-              <a:t>!</a:t>
+              <a:t>Fun Stuff</a:t>
             </a:r>
           </a:p>
         </p:txBody>
@@ -7242,60 +7235,6 @@
 </file>
 
 <file path=ppt/slides/slide32.xml><?xml version="1.0" encoding="utf-8"?>
-<p:sld xmlns:a="http://schemas.openxmlformats.org/drawingml/2006/main" xmlns:r="http://schemas.openxmlformats.org/officeDocument/2006/relationships" xmlns:p="http://schemas.openxmlformats.org/presentationml/2006/main">
-  <p:cSld>
-    <p:spTree>
-      <p:nvGrpSpPr>
-        <p:cNvPr id="1" name=""/>
-        <p:cNvGrpSpPr/>
-        <p:nvPr/>
-      </p:nvGrpSpPr>
-      <p:grpSpPr>
-        <a:xfrm>
-          <a:off x="0" y="0"/>
-          <a:ext cx="0" cy="0"/>
-          <a:chOff x="0" y="0"/>
-          <a:chExt cx="0" cy="0"/>
-        </a:xfrm>
-      </p:grpSpPr>
-      <p:sp>
-        <p:nvSpPr>
-          <p:cNvPr id="2" name="Title 1"/>
-          <p:cNvSpPr>
-            <a:spLocks noGrp="1"/>
-          </p:cNvSpPr>
-          <p:nvPr>
-            <p:ph type="title"/>
-          </p:nvPr>
-        </p:nvSpPr>
-        <p:spPr>
-          <a:xfrm>
-            <a:off x="722313" y="3305176"/>
-            <a:ext cx="7772400" cy="1021556"/>
-          </a:xfrm>
-        </p:spPr>
-        <p:txBody>
-          <a:bodyPr/>
-          <a:lstStyle/>
-          <a:p>
-            <a:pPr marL="0" lvl="0" indent="0">
-              <a:buNone/>
-            </a:pPr>
-            <a:r>
-              <a:t>Fun Stuff</a:t>
-            </a:r>
-          </a:p>
-        </p:txBody>
-      </p:sp>
-    </p:spTree>
-  </p:cSld>
-  <p:clrMapOvr>
-    <a:masterClrMapping/>
-  </p:clrMapOvr>
-</p:sld>
-</file>
-
-<file path=ppt/slides/slide33.xml><?xml version="1.0" encoding="utf-8"?>
 <p:sld xmlns:a="http://schemas.openxmlformats.org/drawingml/2006/main" xmlns:r="http://schemas.openxmlformats.org/officeDocument/2006/relationships" xmlns:p="http://schemas.openxmlformats.org/presentationml/2006/main">
   <p:cSld>
     <p:spTree>
@@ -7431,6 +7370,114 @@
 </p:sld>
 </file>
 
+<file path=ppt/slides/slide33.xml><?xml version="1.0" encoding="utf-8"?>
+<p:sld xmlns:a="http://schemas.openxmlformats.org/drawingml/2006/main" xmlns:r="http://schemas.openxmlformats.org/officeDocument/2006/relationships" xmlns:p="http://schemas.openxmlformats.org/presentationml/2006/main">
+  <p:cSld>
+    <p:spTree>
+      <p:nvGrpSpPr>
+        <p:cNvPr id="1" name=""/>
+        <p:cNvGrpSpPr/>
+        <p:nvPr/>
+      </p:nvGrpSpPr>
+      <p:grpSpPr>
+        <a:xfrm>
+          <a:off x="0" y="0"/>
+          <a:ext cx="0" cy="0"/>
+          <a:chOff x="0" y="0"/>
+          <a:chExt cx="0" cy="0"/>
+        </a:xfrm>
+      </p:grpSpPr>
+      <p:sp>
+        <p:nvSpPr>
+          <p:cNvPr id="2" name="Title 1"/>
+          <p:cNvSpPr>
+            <a:spLocks noGrp="1"/>
+          </p:cNvSpPr>
+          <p:nvPr>
+            <p:ph type="title"/>
+          </p:nvPr>
+        </p:nvSpPr>
+        <p:spPr/>
+        <p:txBody>
+          <a:bodyPr/>
+          <a:lstStyle/>
+          <a:p>
+            <a:pPr marL="0" lvl="0" indent="0">
+              <a:buNone/>
+            </a:pPr>
+            <a:r>
+              <a:t>Kahoot! Points</a:t>
+            </a:r>
+          </a:p>
+        </p:txBody>
+      </p:sp>
+      <p:sp>
+        <p:nvSpPr>
+          <p:cNvPr id="3" name="Content Placeholder 2"/>
+          <p:cNvSpPr>
+            <a:spLocks noGrp="1"/>
+          </p:cNvSpPr>
+          <p:nvPr>
+            <p:ph idx="1"/>
+          </p:nvPr>
+        </p:nvSpPr>
+        <p:spPr/>
+        <p:txBody>
+          <a:bodyPr/>
+          <a:lstStyle/>
+          <a:p>
+            <a:pPr marL="0" lvl="0" indent="0">
+              <a:buNone/>
+            </a:pPr>
+            <a:r>
+              <a:t>Two main ways to collect:</a:t>
+            </a:r>
+          </a:p>
+          <a:p>
+            <a:pPr lvl="0"/>
+            <a:r>
+              <a:t>Play Kahoot! at the end of each Skills Lab</a:t>
+            </a:r>
+          </a:p>
+          <a:p>
+            <a:pPr lvl="1"/>
+            <a:r>
+              <a:t>You must </a:t>
+            </a:r>
+            <a:r>
+              <a:rPr>
+                <a:hlinkClick r:id="rId2"/>
+              </a:rPr>
+              <a:t>register your Kahoot! username</a:t>
+            </a:r>
+            <a:r>
+              <a:t> to collect points</a:t>
+            </a:r>
+          </a:p>
+          <a:p>
+            <a:pPr lvl="0"/>
+            <a:r>
+              <a:t>Complete ChallengR tasks in tutorials</a:t>
+            </a:r>
+          </a:p>
+          <a:p>
+            <a:pPr marL="0" lvl="0" indent="0">
+              <a:buNone/>
+            </a:pPr>
+            <a:r>
+              <a:t>Every 25,000 points, choose a new hex sticker of your choice (including shinies), with ExtRa pRizes at the end of term for top scorers!</a:t>
+            </a:r>
+          </a:p>
+        </p:txBody>
+      </p:sp>
+    </p:spTree>
+  </p:cSld>
+  <p:clrMapOvr>
+    <a:masterClrMapping/>
+  </p:clrMapOvr>
+</p:sld>
+</file>
+
 <file path=ppt/slides/slide34.xml><?xml version="1.0" encoding="utf-8"?>
 <p:sld xmlns:a="http://schemas.openxmlformats.org/drawingml/2006/main" xmlns:r="http://schemas.openxmlformats.org/officeDocument/2006/relationships" xmlns:p="http://schemas.openxmlformats.org/presentationml/2006/main">
   <p:cSld>
@@ -7467,7 +7514,7 @@
               <a:buNone/>
             </a:pPr>
             <a:r>
-              <a:t>Kahoot! Points</a:t>
+              <a:t>Hex Awards</a:t>
             </a:r>
           </a:p>
         </p:txBody>
@@ -7487,46 +7534,27 @@
           <a:bodyPr/>
           <a:lstStyle/>
           <a:p>
-            <a:pPr marL="0" lvl="0" indent="0">
-              <a:buNone/>
-            </a:pPr>
-            <a:r>
-              <a:t>Two main ways to collect:</a:t>
-            </a:r>
-          </a:p>
-          <a:p>
-            <a:pPr lvl="0"/>
-            <a:r>
-              <a:t>Play Kahoot! at the end of each Skills Lab</a:t>
+            <a:pPr lvl="0"/>
+            <a:r>
+              <a:t>Special hex stickers that have been designed by the Methods teaching team</a:t>
+            </a:r>
+          </a:p>
+          <a:p>
+            <a:pPr lvl="0"/>
+            <a:r>
+              <a:t>Some weekly and some at the end of the module:</a:t>
             </a:r>
           </a:p>
           <a:p>
             <a:pPr lvl="1"/>
             <a:r>
-              <a:t>You must </a:t>
-            </a:r>
-            <a:r>
-              <a:rPr>
-                <a:hlinkClick r:id="rId2"/>
-              </a:rPr>
-              <a:t>register your Kahoot! username</a:t>
-            </a:r>
-            <a:r>
-              <a:t> to collect points</a:t>
-            </a:r>
-          </a:p>
-          <a:p>
-            <a:pPr lvl="0"/>
-            <a:r>
-              <a:t>Complete ChallengR tasks in tutorials</a:t>
-            </a:r>
-          </a:p>
-          <a:p>
-            <a:pPr marL="0" lvl="0" indent="0">
-              <a:buNone/>
-            </a:pPr>
-            <a:r>
-              <a:t>Every 25,000 points, choose a new hex sticker of your choice (including shinies), with ExtRa pRizes at the end of term for top scorers!</a:t>
+              <a:t>Weekly - SavioR</a:t>
+            </a:r>
+          </a:p>
+          <a:p>
+            <a:pPr lvl="1"/>
+            <a:r>
+              <a:t>Termly - ClimbR &amp; High FlyR</a:t>
             </a:r>
           </a:p>
         </p:txBody>
@@ -7540,95 +7568,6 @@
 </file>
 
 <file path=ppt/slides/slide35.xml><?xml version="1.0" encoding="utf-8"?>
-<p:sld xmlns:a="http://schemas.openxmlformats.org/drawingml/2006/main" xmlns:r="http://schemas.openxmlformats.org/officeDocument/2006/relationships" xmlns:p="http://schemas.openxmlformats.org/presentationml/2006/main">
-  <p:cSld>
-    <p:spTree>
-      <p:nvGrpSpPr>
-        <p:cNvPr id="1" name=""/>
-        <p:cNvGrpSpPr/>
-        <p:nvPr/>
-      </p:nvGrpSpPr>
-      <p:grpSpPr>
-        <a:xfrm>
-          <a:off x="0" y="0"/>
-          <a:ext cx="0" cy="0"/>
-          <a:chOff x="0" y="0"/>
-          <a:chExt cx="0" cy="0"/>
-        </a:xfrm>
-      </p:grpSpPr>
-      <p:sp>
-        <p:nvSpPr>
-          <p:cNvPr id="2" name="Title 1"/>
-          <p:cNvSpPr>
-            <a:spLocks noGrp="1"/>
-          </p:cNvSpPr>
-          <p:nvPr>
-            <p:ph type="title"/>
-          </p:nvPr>
-        </p:nvSpPr>
-        <p:spPr/>
-        <p:txBody>
-          <a:bodyPr/>
-          <a:lstStyle/>
-          <a:p>
-            <a:pPr marL="0" lvl="0" indent="0">
-              <a:buNone/>
-            </a:pPr>
-            <a:r>
-              <a:t>Hex Awards</a:t>
-            </a:r>
-          </a:p>
-        </p:txBody>
-      </p:sp>
-      <p:sp>
-        <p:nvSpPr>
-          <p:cNvPr id="3" name="Content Placeholder 2"/>
-          <p:cNvSpPr>
-            <a:spLocks noGrp="1"/>
-          </p:cNvSpPr>
-          <p:nvPr>
-            <p:ph idx="1"/>
-          </p:nvPr>
-        </p:nvSpPr>
-        <p:spPr/>
-        <p:txBody>
-          <a:bodyPr/>
-          <a:lstStyle/>
-          <a:p>
-            <a:pPr lvl="0"/>
-            <a:r>
-              <a:t>Special hex stickers that have been designed by the Methods teaching team</a:t>
-            </a:r>
-          </a:p>
-          <a:p>
-            <a:pPr lvl="0"/>
-            <a:r>
-              <a:t>Some weekly and some at the end of the module:</a:t>
-            </a:r>
-          </a:p>
-          <a:p>
-            <a:pPr lvl="1"/>
-            <a:r>
-              <a:t>Weekly - SavioR</a:t>
-            </a:r>
-          </a:p>
-          <a:p>
-            <a:pPr lvl="1"/>
-            <a:r>
-              <a:t>Termly - ClimbR &amp; High FlyR</a:t>
-            </a:r>
-          </a:p>
-        </p:txBody>
-      </p:sp>
-    </p:spTree>
-  </p:cSld>
-  <p:clrMapOvr>
-    <a:masterClrMapping/>
-  </p:clrMapOvr>
-</p:sld>
-</file>
-
-<file path=ppt/slides/slide36.xml><?xml version="1.0" encoding="utf-8"?>
 <p:sld xmlns:a="http://schemas.openxmlformats.org/drawingml/2006/main" xmlns:r="http://schemas.openxmlformats.org/officeDocument/2006/relationships" xmlns:p="http://schemas.openxmlformats.org/presentationml/2006/main">
   <p:cSld>
     <p:spTree>
@@ -7864,7 +7803,7 @@
 </p:sld>
 </file>
 
-<file path=ppt/slides/slide37.xml><?xml version="1.0" encoding="utf-8"?>
+<file path=ppt/slides/slide36.xml><?xml version="1.0" encoding="utf-8"?>
 <p:sld xmlns:a="http://schemas.openxmlformats.org/drawingml/2006/main" xmlns:r="http://schemas.openxmlformats.org/officeDocument/2006/relationships" xmlns:p="http://schemas.openxmlformats.org/presentationml/2006/main">
   <p:cSld>
     <p:spTree>
@@ -8110,7 +8049,7 @@
 </p:sld>
 </file>
 
-<file path=ppt/slides/slide38.xml><?xml version="1.0" encoding="utf-8"?>
+<file path=ppt/slides/slide37.xml><?xml version="1.0" encoding="utf-8"?>
 <p:sld xmlns:a="http://schemas.openxmlformats.org/drawingml/2006/main" xmlns:r="http://schemas.openxmlformats.org/officeDocument/2006/relationships" xmlns:p="http://schemas.openxmlformats.org/presentationml/2006/main">
   <p:cSld>
     <p:spTree>
@@ -8443,6 +8382,95 @@
 </p:sld>
 </file>
 
+<file path=ppt/slides/slide38.xml><?xml version="1.0" encoding="utf-8"?>
+<p:sld xmlns:a="http://schemas.openxmlformats.org/drawingml/2006/main" xmlns:r="http://schemas.openxmlformats.org/officeDocument/2006/relationships" xmlns:p="http://schemas.openxmlformats.org/presentationml/2006/main">
+  <p:cSld>
+    <p:spTree>
+      <p:nvGrpSpPr>
+        <p:cNvPr id="1" name=""/>
+        <p:cNvGrpSpPr/>
+        <p:nvPr/>
+      </p:nvGrpSpPr>
+      <p:grpSpPr>
+        <a:xfrm>
+          <a:off x="0" y="0"/>
+          <a:ext cx="0" cy="0"/>
+          <a:chOff x="0" y="0"/>
+          <a:chExt cx="0" cy="0"/>
+        </a:xfrm>
+      </p:grpSpPr>
+      <p:sp>
+        <p:nvSpPr>
+          <p:cNvPr id="2" name="Title 1"/>
+          <p:cNvSpPr>
+            <a:spLocks noGrp="1"/>
+          </p:cNvSpPr>
+          <p:nvPr>
+            <p:ph type="title"/>
+          </p:nvPr>
+        </p:nvSpPr>
+        <p:spPr/>
+        <p:txBody>
+          <a:bodyPr/>
+          <a:lstStyle/>
+          <a:p>
+            <a:pPr marL="0" lvl="0" indent="0">
+              <a:buNone/>
+            </a:pPr>
+            <a:r>
+              <a:t>Data Skills - in Psychology</a:t>
+            </a:r>
+          </a:p>
+        </p:txBody>
+      </p:sp>
+      <p:sp>
+        <p:nvSpPr>
+          <p:cNvPr id="3" name="Content Placeholder 2"/>
+          <p:cNvSpPr>
+            <a:spLocks noGrp="1"/>
+          </p:cNvSpPr>
+          <p:nvPr>
+            <p:ph idx="1"/>
+          </p:nvPr>
+        </p:nvSpPr>
+        <p:spPr/>
+        <p:txBody>
+          <a:bodyPr/>
+          <a:lstStyle/>
+          <a:p>
+            <a:pPr lvl="0"/>
+            <a:r>
+              <a:t>Core of findings in Psychology come from quantitative research</a:t>
+            </a:r>
+          </a:p>
+          <a:p>
+            <a:pPr lvl="0"/>
+            <a:r>
+              <a:t>We’re able to challenge and update existing research because our tools are improving</a:t>
+            </a:r>
+          </a:p>
+          <a:p>
+            <a:pPr lvl="0"/>
+            <a:r>
+              <a:t>The type of data we collect is becoming increasingly more complex - “back of the envelope” calculations no longer enough.</a:t>
+            </a:r>
+          </a:p>
+          <a:p>
+            <a:pPr lvl="0"/>
+            <a:r>
+              <a:t>Replicability crucial for improving research</a:t>
+            </a:r>
+          </a:p>
+        </p:txBody>
+      </p:sp>
+    </p:spTree>
+  </p:cSld>
+  <p:clrMapOvr>
+    <a:masterClrMapping/>
+  </p:clrMapOvr>
+</p:sld>
+</file>
+
 <file path=ppt/slides/slide39.xml><?xml version="1.0" encoding="utf-8"?>
 <p:sld xmlns:a="http://schemas.openxmlformats.org/drawingml/2006/main" xmlns:r="http://schemas.openxmlformats.org/officeDocument/2006/relationships" xmlns:p="http://schemas.openxmlformats.org/presentationml/2006/main">
   <p:cSld>
@@ -8486,41 +8514,137 @@
       </p:sp>
       <p:sp>
         <p:nvSpPr>
-          <p:cNvPr id="3" name="Content Placeholder 2"/>
-          <p:cNvSpPr>
-            <a:spLocks noGrp="1"/>
-          </p:cNvSpPr>
-          <p:nvPr>
-            <p:ph idx="1"/>
-          </p:nvPr>
-        </p:nvSpPr>
-        <p:spPr/>
-        <p:txBody>
-          <a:bodyPr/>
-          <a:lstStyle/>
-          <a:p>
-            <a:pPr lvl="0"/>
-            <a:r>
-              <a:t>Core of findings in Psychology come from quantitative research</a:t>
-            </a:r>
-          </a:p>
-          <a:p>
-            <a:pPr lvl="0"/>
-            <a:r>
-              <a:t>We’re able to challenge and update existing research because our tools are improving</a:t>
-            </a:r>
-          </a:p>
-          <a:p>
-            <a:pPr lvl="0"/>
-            <a:r>
-              <a:t>The type of data we collect is becoming increasingly more complex - “back of the envelope” calculations no longer enough.</a:t>
-            </a:r>
-          </a:p>
-          <a:p>
-            <a:pPr lvl="0"/>
-            <a:r>
-              <a:t>Replicability crucial for improving research</a:t>
-            </a:r>
+          <p:cNvPr id="8" name="Content Placeholder 7">
+            <a:extLst>
+              <a:ext uri="{FF2B5EF4-FFF2-40B4-BE49-F238E27FC236}">
+                <a16:creationId xmlns:a16="http://schemas.microsoft.com/office/drawing/2014/main" id="{97E7FE77-96B2-834B-BA37-DBE396FB377D}"/>
+              </a:ext>
+            </a:extLst>
+          </p:cNvPr>
+          <p:cNvSpPr>
+            <a:spLocks noGrp="1"/>
+          </p:cNvSpPr>
+          <p:nvPr>
+            <p:ph sz="half" idx="1"/>
+          </p:nvPr>
+        </p:nvSpPr>
+        <p:spPr>
+          <a:xfrm>
+            <a:off x="457200" y="1063229"/>
+            <a:ext cx="7788166" cy="3394472"/>
+          </a:xfrm>
+        </p:spPr>
+        <p:txBody>
+          <a:bodyPr>
+            <a:normAutofit fontScale="85000" lnSpcReduction="20000"/>
+          </a:bodyPr>
+          <a:lstStyle/>
+          <a:p>
+            <a:r>
+              <a:rPr lang="en-GB" b="1" dirty="0"/>
+              <a:t>Clinical - </a:t>
+            </a:r>
+            <a:r>
+              <a:rPr lang="en-GB" dirty="0"/>
+              <a:t>Is an intervention for a mental health condition effective?</a:t>
+            </a:r>
+          </a:p>
+          <a:p>
+            <a:r>
+              <a:rPr lang="en-GB" b="1" dirty="0"/>
+              <a:t>Developmental - </a:t>
+            </a:r>
+            <a:r>
+              <a:rPr lang="en-GB" dirty="0"/>
+              <a:t>Given a child's score on a test, is their development unusual?</a:t>
+            </a:r>
+          </a:p>
+          <a:p>
+            <a:r>
+              <a:rPr lang="en-GB" b="1" dirty="0"/>
+              <a:t>Cognitive - </a:t>
+            </a:r>
+            <a:r>
+              <a:rPr lang="en-GB" dirty="0"/>
+              <a:t>How can we program an experiment to study a complicated cognitive process?</a:t>
+            </a:r>
+          </a:p>
+          <a:p>
+            <a:r>
+              <a:rPr lang="en-GB" b="1" dirty="0"/>
+              <a:t>Social - </a:t>
+            </a:r>
+            <a:r>
+              <a:rPr lang="en-GB" dirty="0"/>
+              <a:t>What is the engagement of social media users with posts about specific topics?</a:t>
+            </a:r>
+          </a:p>
+          <a:p>
+            <a:r>
+              <a:rPr lang="en-GB" b="1" dirty="0"/>
+              <a:t>Meta-Science - </a:t>
+            </a:r>
+            <a:r>
+              <a:rPr lang="en-GB" dirty="0"/>
+              <a:t>Are psychology findings reported in published papers reproducible?</a:t>
+            </a:r>
+          </a:p>
+          <a:p>
+            <a:r>
+              <a:rPr lang="en-GB" b="1" dirty="0"/>
+              <a:t>Organisational - </a:t>
+            </a:r>
+            <a:r>
+              <a:rPr lang="en-GB" dirty="0"/>
+              <a:t>What are the predictors of employee retention in a company?</a:t>
+            </a:r>
+          </a:p>
+          <a:p>
+            <a:r>
+              <a:rPr lang="en-GB" b="1" dirty="0"/>
+              <a:t>Neuroscience - </a:t>
+            </a:r>
+            <a:r>
+              <a:rPr lang="en-GB" dirty="0"/>
+              <a:t>Which brain area is more active under certain conditions?</a:t>
+            </a:r>
+          </a:p>
+          <a:p>
+            <a:r>
+              <a:rPr lang="en-GB" b="1" dirty="0"/>
+              <a:t>Educational - </a:t>
+            </a:r>
+            <a:r>
+              <a:rPr lang="en-GB" dirty="0"/>
+              <a:t>Does a new teaching method improve educational outcomes?</a:t>
+            </a:r>
+          </a:p>
+          <a:p>
+            <a:endParaRPr lang="en-GB" dirty="0"/>
+          </a:p>
+          <a:p>
+            <a:endParaRPr lang="en-GB" dirty="0"/>
+          </a:p>
+          <a:p>
+            <a:endParaRPr lang="en-GB" dirty="0"/>
+          </a:p>
+          <a:p>
+            <a:endParaRPr lang="en-GB" dirty="0"/>
+          </a:p>
+          <a:p>
+            <a:endParaRPr lang="en-GB" dirty="0"/>
+          </a:p>
+          <a:p>
+            <a:endParaRPr lang="en-GB" dirty="0"/>
+          </a:p>
+          <a:p>
+            <a:endParaRPr lang="en-GB" dirty="0"/>
+          </a:p>
+          <a:p>
+            <a:endParaRPr lang="en-GB" dirty="0"/>
+          </a:p>
+          <a:p>
+            <a:endParaRPr lang="en-US" dirty="0"/>
           </a:p>
         </p:txBody>
       </p:sp>
@@ -8559,12 +8683,7 @@
             <p:ph type="title"/>
           </p:nvPr>
         </p:nvSpPr>
-        <p:spPr>
-          <a:xfrm>
-            <a:off x="722313" y="3305176"/>
-            <a:ext cx="7772400" cy="1021556"/>
-          </a:xfrm>
-        </p:spPr>
+        <p:spPr/>
         <p:txBody>
           <a:bodyPr/>
           <a:lstStyle/>
@@ -8573,7 +8692,73 @@
               <a:buNone/>
             </a:pPr>
             <a:r>
-              <a:t>Module Information</a:t>
+              <a:t>What It Says On The Tin</a:t>
+            </a:r>
+          </a:p>
+        </p:txBody>
+      </p:sp>
+      <p:sp>
+        <p:nvSpPr>
+          <p:cNvPr id="3" name="Content Placeholder 2"/>
+          <p:cNvSpPr>
+            <a:spLocks noGrp="1"/>
+          </p:cNvSpPr>
+          <p:nvPr>
+            <p:ph idx="1"/>
+          </p:nvPr>
+        </p:nvSpPr>
+        <p:spPr/>
+        <p:txBody>
+          <a:bodyPr/>
+          <a:lstStyle/>
+          <a:p>
+            <a:pPr lvl="0"/>
+            <a:r>
+              <a:t>First year core statistics and research methods module</a:t>
+            </a:r>
+          </a:p>
+          <a:p>
+            <a:pPr lvl="0"/>
+            <a:r>
+              <a:t>Comprises lectures, skills labs, and practical sessions</a:t>
+            </a:r>
+          </a:p>
+          <a:p>
+            <a:pPr marL="0" lvl="0" indent="0">
+              <a:buNone/>
+            </a:pPr>
+            <a:r>
+              <a:t>. . .</a:t>
+            </a:r>
+          </a:p>
+          <a:p>
+            <a:pPr lvl="0"/>
+            <a:r>
+              <a:t>What will you learn?</a:t>
+            </a:r>
+          </a:p>
+          <a:p>
+            <a:pPr lvl="1"/>
+            <a:r>
+              <a:t>Data literacy: how to think like a scientist about data</a:t>
+            </a:r>
+          </a:p>
+          <a:p>
+            <a:pPr lvl="1"/>
+            <a:r>
+              <a:t>Working with data: cleaning, wrangling, summarising</a:t>
+            </a:r>
+          </a:p>
+          <a:p>
+            <a:pPr lvl="1"/>
+            <a:r>
+              <a:t>R skills: using RStudio/Quarto, writing and reading code</a:t>
+            </a:r>
+          </a:p>
+          <a:p>
+            <a:pPr lvl="1"/>
+            <a:r>
+              <a:t>Statistics: NHST, common tests, linear model</a:t>
             </a:r>
           </a:p>
         </p:txBody>
@@ -8622,144 +8807,40 @@
               <a:buNone/>
             </a:pPr>
             <a:r>
-              <a:t>Data Skills - in Psychology</a:t>
-            </a:r>
-          </a:p>
-        </p:txBody>
-      </p:sp>
-      <p:sp>
-        <p:nvSpPr>
-          <p:cNvPr id="8" name="Content Placeholder 7">
-            <a:extLst>
-              <a:ext uri="{FF2B5EF4-FFF2-40B4-BE49-F238E27FC236}">
-                <a16:creationId xmlns:a16="http://schemas.microsoft.com/office/drawing/2014/main" id="{97E7FE77-96B2-834B-BA37-DBE396FB377D}"/>
-              </a:ext>
-            </a:extLst>
-          </p:cNvPr>
-          <p:cNvSpPr>
-            <a:spLocks noGrp="1"/>
-          </p:cNvSpPr>
-          <p:nvPr>
-            <p:ph sz="half" idx="1"/>
-          </p:nvPr>
-        </p:nvSpPr>
-        <p:spPr>
-          <a:xfrm>
-            <a:off x="457200" y="1063229"/>
-            <a:ext cx="7788166" cy="3394472"/>
-          </a:xfrm>
-        </p:spPr>
-        <p:txBody>
-          <a:bodyPr>
-            <a:normAutofit fontScale="85000" lnSpcReduction="20000"/>
-          </a:bodyPr>
-          <a:lstStyle/>
-          <a:p>
-            <a:r>
-              <a:rPr lang="en-GB" b="1" dirty="0"/>
-              <a:t>Clinical - </a:t>
-            </a:r>
-            <a:r>
-              <a:rPr lang="en-GB" dirty="0"/>
-              <a:t>Is an intervention for a mental health condition effective?</a:t>
-            </a:r>
-          </a:p>
-          <a:p>
-            <a:r>
-              <a:rPr lang="en-GB" b="1" dirty="0"/>
-              <a:t>Developmental - </a:t>
-            </a:r>
-            <a:r>
-              <a:rPr lang="en-GB" dirty="0"/>
-              <a:t>Given a child's score on a test, is their development unusual?</a:t>
-            </a:r>
-          </a:p>
-          <a:p>
-            <a:r>
-              <a:rPr lang="en-GB" b="1" dirty="0"/>
-              <a:t>Cognitive - </a:t>
-            </a:r>
-            <a:r>
-              <a:rPr lang="en-GB" dirty="0"/>
-              <a:t>How can we program an experiment to study a complicated cognitive process?</a:t>
-            </a:r>
-          </a:p>
-          <a:p>
-            <a:r>
-              <a:rPr lang="en-GB" b="1" dirty="0"/>
-              <a:t>Social - </a:t>
-            </a:r>
-            <a:r>
-              <a:rPr lang="en-GB" dirty="0"/>
-              <a:t>What is the engagement of social media users with posts about specific topics?</a:t>
-            </a:r>
-          </a:p>
-          <a:p>
-            <a:r>
-              <a:rPr lang="en-GB" b="1" dirty="0"/>
-              <a:t>Meta-Science - </a:t>
-            </a:r>
-            <a:r>
-              <a:rPr lang="en-GB" dirty="0"/>
-              <a:t>Are psychology findings reported in published papers reproducible?</a:t>
-            </a:r>
-          </a:p>
-          <a:p>
-            <a:r>
-              <a:rPr lang="en-GB" b="1" dirty="0"/>
-              <a:t>Organisational - </a:t>
-            </a:r>
-            <a:r>
-              <a:rPr lang="en-GB" dirty="0"/>
-              <a:t>What are the predictors of employee retention in a company?</a:t>
-            </a:r>
-          </a:p>
-          <a:p>
-            <a:r>
-              <a:rPr lang="en-GB" b="1" dirty="0"/>
-              <a:t>Neuroscience - </a:t>
-            </a:r>
-            <a:r>
-              <a:rPr lang="en-GB" dirty="0"/>
-              <a:t>Which brain area is more active under certain conditions?</a:t>
-            </a:r>
-          </a:p>
-          <a:p>
-            <a:r>
-              <a:rPr lang="en-GB" b="1" dirty="0"/>
-              <a:t>Educational - </a:t>
-            </a:r>
-            <a:r>
-              <a:rPr lang="en-GB" dirty="0"/>
-              <a:t>Does a new teaching method improve educational outcomes?</a:t>
-            </a:r>
-          </a:p>
-          <a:p>
-            <a:endParaRPr lang="en-GB" dirty="0"/>
-          </a:p>
-          <a:p>
-            <a:endParaRPr lang="en-GB" dirty="0"/>
-          </a:p>
-          <a:p>
-            <a:endParaRPr lang="en-GB" dirty="0"/>
-          </a:p>
-          <a:p>
-            <a:endParaRPr lang="en-GB" dirty="0"/>
-          </a:p>
-          <a:p>
-            <a:endParaRPr lang="en-GB" dirty="0"/>
-          </a:p>
-          <a:p>
-            <a:endParaRPr lang="en-GB" dirty="0"/>
-          </a:p>
-          <a:p>
-            <a:endParaRPr lang="en-GB" dirty="0"/>
-          </a:p>
-          <a:p>
-            <a:endParaRPr lang="en-GB" dirty="0"/>
-          </a:p>
-          <a:p>
-            <a:endParaRPr lang="en-US" dirty="0"/>
+              <a:t>Data Skills - in the world</a:t>
+            </a:r>
+          </a:p>
+        </p:txBody>
+      </p:sp>
+      <p:sp>
+        <p:nvSpPr>
+          <p:cNvPr id="3" name="Content Placeholder 2"/>
+          <p:cNvSpPr>
+            <a:spLocks noGrp="1"/>
+          </p:cNvSpPr>
+          <p:nvPr>
+            <p:ph idx="1"/>
+          </p:nvPr>
+        </p:nvSpPr>
+        <p:spPr/>
+        <p:txBody>
+          <a:bodyPr/>
+          <a:lstStyle/>
+          <a:p>
+            <a:pPr marL="0" lvl="0" indent="0">
+              <a:buNone/>
+            </a:pPr>
+            <a:r>
+              <a:t>Being able to make sense of data is a crucial skill outside of academia.</a:t>
+            </a:r>
+          </a:p>
+          <a:p>
+            <a:pPr marL="0" lvl="0" indent="0">
+              <a:buNone/>
+            </a:pPr>
+            <a:r>
+              <a:t>Potential career trajectories for Psychology graduates with data-skills:</a:t>
+            </a:r>
           </a:p>
         </p:txBody>
       </p:sp>
@@ -8790,56 +8871,104 @@
       </p:grpSpPr>
       <p:sp>
         <p:nvSpPr>
-          <p:cNvPr id="2" name="Title 1"/>
-          <p:cNvSpPr>
-            <a:spLocks noGrp="1"/>
-          </p:cNvSpPr>
-          <p:nvPr>
-            <p:ph type="title"/>
-          </p:nvPr>
-        </p:nvSpPr>
-        <p:spPr/>
-        <p:txBody>
-          <a:bodyPr/>
-          <a:lstStyle/>
-          <a:p>
-            <a:pPr marL="0" lvl="0" indent="0">
-              <a:buNone/>
-            </a:pPr>
-            <a:r>
-              <a:t>Data Skills - in the world</a:t>
-            </a:r>
-          </a:p>
-        </p:txBody>
-      </p:sp>
-      <p:sp>
-        <p:nvSpPr>
           <p:cNvPr id="3" name="Content Placeholder 2"/>
           <p:cNvSpPr>
             <a:spLocks noGrp="1"/>
           </p:cNvSpPr>
           <p:nvPr>
-            <p:ph idx="1"/>
-          </p:nvPr>
-        </p:nvSpPr>
-        <p:spPr/>
-        <p:txBody>
-          <a:bodyPr/>
-          <a:lstStyle/>
-          <a:p>
-            <a:pPr marL="0" lvl="0" indent="0">
-              <a:buNone/>
-            </a:pPr>
-            <a:r>
-              <a:t>Being able to make sense of data is a crucial skill outside of academia.</a:t>
-            </a:r>
-          </a:p>
-          <a:p>
-            <a:pPr marL="0" lvl="0" indent="0">
-              <a:buNone/>
-            </a:pPr>
-            <a:r>
-              <a:t>Potential career trajectories for Psychology graduates with data-skills:</a:t>
+            <p:ph sz="half" idx="1"/>
+          </p:nvPr>
+        </p:nvSpPr>
+        <p:spPr/>
+        <p:txBody>
+          <a:bodyPr/>
+          <a:lstStyle/>
+          <a:p>
+            <a:pPr lvl="0"/>
+            <a:r>
+              <a:t>Data analyst</a:t>
+            </a:r>
+          </a:p>
+          <a:p>
+            <a:pPr lvl="0"/>
+            <a:r>
+              <a:t>Data scientist</a:t>
+            </a:r>
+          </a:p>
+          <a:p>
+            <a:pPr lvl="0"/>
+            <a:r>
+              <a:t>Insights analyst</a:t>
+            </a:r>
+          </a:p>
+          <a:p>
+            <a:pPr lvl="0"/>
+            <a:r>
+              <a:t>Quantitative specialist</a:t>
+            </a:r>
+          </a:p>
+          <a:p>
+            <a:pPr lvl="0"/>
+            <a:r>
+              <a:t>Civil Service</a:t>
+            </a:r>
+          </a:p>
+          <a:p>
+            <a:pPr lvl="0"/>
+            <a:r>
+              <a:t>Market research</a:t>
+            </a:r>
+          </a:p>
+        </p:txBody>
+      </p:sp>
+      <p:sp>
+        <p:nvSpPr>
+          <p:cNvPr id="4" name="Content Placeholder 3"/>
+          <p:cNvSpPr>
+            <a:spLocks noGrp="1"/>
+          </p:cNvSpPr>
+          <p:nvPr>
+            <p:ph sz="half" idx="2"/>
+          </p:nvPr>
+        </p:nvSpPr>
+        <p:spPr/>
+        <p:txBody>
+          <a:bodyPr/>
+          <a:lstStyle/>
+          <a:p>
+            <a:pPr lvl="0"/>
+            <a:r>
+              <a:t>UX research</a:t>
+            </a:r>
+          </a:p>
+          <a:p>
+            <a:pPr lvl="0"/>
+            <a:r>
+              <a:t>Industry research</a:t>
+            </a:r>
+          </a:p>
+          <a:p>
+            <a:pPr lvl="0"/>
+            <a:r>
+              <a:t>Academic research</a:t>
+            </a:r>
+          </a:p>
+          <a:p>
+            <a:pPr lvl="0"/>
+            <a:r>
+              <a:t>Working with start-up companies</a:t>
+            </a:r>
+          </a:p>
+          <a:p>
+            <a:pPr lvl="0"/>
+            <a:r>
+              <a:t>Administrative positions</a:t>
+            </a:r>
+          </a:p>
+          <a:p>
+            <a:pPr lvl="0"/>
+            <a:r>
+              <a:t>Professional services positions</a:t>
             </a:r>
           </a:p>
         </p:txBody>
@@ -8876,99 +9005,20 @@
             <a:spLocks noGrp="1"/>
           </p:cNvSpPr>
           <p:nvPr>
-            <p:ph sz="half" idx="1"/>
-          </p:nvPr>
-        </p:nvSpPr>
-        <p:spPr/>
-        <p:txBody>
-          <a:bodyPr/>
-          <a:lstStyle/>
-          <a:p>
-            <a:pPr lvl="0"/>
-            <a:r>
-              <a:t>Data analyst</a:t>
-            </a:r>
-          </a:p>
-          <a:p>
-            <a:pPr lvl="0"/>
-            <a:r>
-              <a:t>Data scientist</a:t>
-            </a:r>
-          </a:p>
-          <a:p>
-            <a:pPr lvl="0"/>
-            <a:r>
-              <a:t>Insights analyst</a:t>
-            </a:r>
-          </a:p>
-          <a:p>
-            <a:pPr lvl="0"/>
-            <a:r>
-              <a:t>Quantitative specialist</a:t>
-            </a:r>
-          </a:p>
-          <a:p>
-            <a:pPr lvl="0"/>
-            <a:r>
-              <a:t>Civil Service</a:t>
-            </a:r>
-          </a:p>
-          <a:p>
-            <a:pPr lvl="0"/>
-            <a:r>
-              <a:t>Market research</a:t>
-            </a:r>
-          </a:p>
-        </p:txBody>
-      </p:sp>
-      <p:sp>
-        <p:nvSpPr>
-          <p:cNvPr id="4" name="Content Placeholder 3"/>
-          <p:cNvSpPr>
-            <a:spLocks noGrp="1"/>
-          </p:cNvSpPr>
-          <p:nvPr>
-            <p:ph sz="half" idx="2"/>
-          </p:nvPr>
-        </p:nvSpPr>
-        <p:spPr/>
-        <p:txBody>
-          <a:bodyPr/>
-          <a:lstStyle/>
-          <a:p>
-            <a:pPr lvl="0"/>
-            <a:r>
-              <a:t>UX research</a:t>
-            </a:r>
-          </a:p>
-          <a:p>
-            <a:pPr lvl="0"/>
-            <a:r>
-              <a:t>Industry research</a:t>
-            </a:r>
-          </a:p>
-          <a:p>
-            <a:pPr lvl="0"/>
-            <a:r>
-              <a:t>Academic research</a:t>
-            </a:r>
-          </a:p>
-          <a:p>
-            <a:pPr lvl="0"/>
-            <a:r>
-              <a:t>Working with start-up companies</a:t>
-            </a:r>
-          </a:p>
-          <a:p>
-            <a:pPr lvl="0"/>
-            <a:r>
-              <a:t>Administrative positions</a:t>
-            </a:r>
-          </a:p>
-          <a:p>
-            <a:pPr lvl="0"/>
-            <a:r>
-              <a:t>Professional services positions</a:t>
+            <p:ph idx="1"/>
+          </p:nvPr>
+        </p:nvSpPr>
+        <p:spPr/>
+        <p:txBody>
+          <a:bodyPr/>
+          <a:lstStyle/>
+          <a:p>
+            <a:pPr marL="0" lvl="0" indent="0">
+              <a:buNone/>
+            </a:pPr>
+            <a:r>
+              <a:rPr dirty="0"/>
+              <a:t>(and many more)</a:t>
             </a:r>
           </a:p>
         </p:txBody>
@@ -9000,6 +9050,30 @@
       </p:grpSpPr>
       <p:sp>
         <p:nvSpPr>
+          <p:cNvPr id="2" name="Title 1"/>
+          <p:cNvSpPr>
+            <a:spLocks noGrp="1"/>
+          </p:cNvSpPr>
+          <p:nvPr>
+            <p:ph type="title"/>
+          </p:nvPr>
+        </p:nvSpPr>
+        <p:spPr/>
+        <p:txBody>
+          <a:bodyPr/>
+          <a:lstStyle/>
+          <a:p>
+            <a:pPr marL="0" lvl="0" indent="0">
+              <a:buNone/>
+            </a:pPr>
+            <a:r>
+              <a:t>Getting Help</a:t>
+            </a:r>
+          </a:p>
+        </p:txBody>
+      </p:sp>
+      <p:sp>
+        <p:nvSpPr>
           <p:cNvPr id="3" name="Content Placeholder 2"/>
           <p:cNvSpPr>
             <a:spLocks noGrp="1"/>
@@ -9010,15 +9084,54 @@
         </p:nvSpPr>
         <p:spPr/>
         <p:txBody>
-          <a:bodyPr/>
-          <a:lstStyle/>
-          <a:p>
-            <a:pPr marL="0" lvl="0" indent="0">
+          <a:bodyPr>
+            <a:normAutofit lnSpcReduction="10000"/>
+          </a:bodyPr>
+          <a:lstStyle/>
+          <a:p>
+            <a:pPr marL="1270000" lvl="0" indent="0">
               <a:buNone/>
             </a:pPr>
             <a:r>
-              <a:rPr dirty="0"/>
-              <a:t>(and many more)</a:t>
+              <a:rPr sz="2000" b="1"/>
+              <a:t>Tip</a:t>
+            </a:r>
+          </a:p>
+          <a:p>
+            <a:pPr marL="1270000" lvl="0" indent="0">
+              <a:buNone/>
+            </a:pPr>
+            <a:r>
+              <a:rPr sz="2000"/>
+              <a:t>If you’re finding the module challenging, it doesn’t mean that you’re failing - it means you’re learning.</a:t>
+            </a:r>
+          </a:p>
+          <a:p>
+            <a:pPr lvl="0"/>
+            <a:r>
+              <a:t>For the quickest help, ask questions about anything on </a:t>
+            </a:r>
+            <a:r>
+              <a:rPr b="1"/>
+              <a:t>Discord</a:t>
+            </a:r>
+          </a:p>
+          <a:p>
+            <a:pPr lvl="0"/>
+            <a:r>
+              <a:rPr b="1">
+                <a:hlinkClick r:id="rId2"/>
+              </a:rPr>
+              <a:t>Book onto the R Help Desk</a:t>
+            </a:r>
+            <a:r>
+              <a:t> to set up a one-on-one help session with one of the teaching team.</a:t>
+            </a:r>
+          </a:p>
+          <a:p>
+            <a:pPr lvl="0"/>
+            <a:r>
+              <a:t>Come to your weekly practical session to get help from a lecturer or doctoral tutor.</a:t>
             </a:r>
           </a:p>
         </p:txBody>
@@ -9058,119 +9171,6 @@
             <p:ph type="title"/>
           </p:nvPr>
         </p:nvSpPr>
-        <p:spPr/>
-        <p:txBody>
-          <a:bodyPr/>
-          <a:lstStyle/>
-          <a:p>
-            <a:pPr marL="0" lvl="0" indent="0">
-              <a:buNone/>
-            </a:pPr>
-            <a:r>
-              <a:t>Getting Help</a:t>
-            </a:r>
-          </a:p>
-        </p:txBody>
-      </p:sp>
-      <p:sp>
-        <p:nvSpPr>
-          <p:cNvPr id="3" name="Content Placeholder 2"/>
-          <p:cNvSpPr>
-            <a:spLocks noGrp="1"/>
-          </p:cNvSpPr>
-          <p:nvPr>
-            <p:ph idx="1"/>
-          </p:nvPr>
-        </p:nvSpPr>
-        <p:spPr/>
-        <p:txBody>
-          <a:bodyPr>
-            <a:normAutofit lnSpcReduction="10000"/>
-          </a:bodyPr>
-          <a:lstStyle/>
-          <a:p>
-            <a:pPr marL="1270000" lvl="0" indent="0">
-              <a:buNone/>
-            </a:pPr>
-            <a:r>
-              <a:rPr sz="2000" b="1"/>
-              <a:t>Tip</a:t>
-            </a:r>
-          </a:p>
-          <a:p>
-            <a:pPr marL="1270000" lvl="0" indent="0">
-              <a:buNone/>
-            </a:pPr>
-            <a:r>
-              <a:rPr sz="2000"/>
-              <a:t>If you’re finding the module challenging, it doesn’t mean that you’re failing - it means you’re learning.</a:t>
-            </a:r>
-          </a:p>
-          <a:p>
-            <a:pPr lvl="0"/>
-            <a:r>
-              <a:t>For the quickest help, ask questions about anything on </a:t>
-            </a:r>
-            <a:r>
-              <a:rPr b="1"/>
-              <a:t>Discord</a:t>
-            </a:r>
-          </a:p>
-          <a:p>
-            <a:pPr lvl="0"/>
-            <a:r>
-              <a:rPr b="1">
-                <a:hlinkClick r:id="rId2"/>
-              </a:rPr>
-              <a:t>Book onto the R Help Desk</a:t>
-            </a:r>
-            <a:r>
-              <a:t> to set up a one-on-one help session with one of the teaching team.</a:t>
-            </a:r>
-          </a:p>
-          <a:p>
-            <a:pPr lvl="0"/>
-            <a:r>
-              <a:t>Come to your weekly practical session to get help from a lecturer or doctoral tutor.</a:t>
-            </a:r>
-          </a:p>
-        </p:txBody>
-      </p:sp>
-    </p:spTree>
-  </p:cSld>
-  <p:clrMapOvr>
-    <a:masterClrMapping/>
-  </p:clrMapOvr>
-</p:sld>
-</file>
-
-<file path=ppt/slides/slide45.xml><?xml version="1.0" encoding="utf-8"?>
-<p:sld xmlns:a="http://schemas.openxmlformats.org/drawingml/2006/main" xmlns:r="http://schemas.openxmlformats.org/officeDocument/2006/relationships" xmlns:p="http://schemas.openxmlformats.org/presentationml/2006/main">
-  <p:cSld>
-    <p:spTree>
-      <p:nvGrpSpPr>
-        <p:cNvPr id="1" name=""/>
-        <p:cNvGrpSpPr/>
-        <p:nvPr/>
-      </p:nvGrpSpPr>
-      <p:grpSpPr>
-        <a:xfrm>
-          <a:off x="0" y="0"/>
-          <a:ext cx="0" cy="0"/>
-          <a:chOff x="0" y="0"/>
-          <a:chExt cx="0" cy="0"/>
-        </a:xfrm>
-      </p:grpSpPr>
-      <p:sp>
-        <p:nvSpPr>
-          <p:cNvPr id="2" name="Title 1"/>
-          <p:cNvSpPr>
-            <a:spLocks noGrp="1"/>
-          </p:cNvSpPr>
-          <p:nvPr>
-            <p:ph type="title"/>
-          </p:nvPr>
-        </p:nvSpPr>
         <p:spPr>
           <a:xfrm>
             <a:off x="722313" y="3305176"/>
@@ -9234,7 +9234,7 @@
               <a:buNone/>
             </a:pPr>
             <a:r>
-              <a:t>What It Says On The Tin</a:t>
+              <a:t>Contact</a:t>
             </a:r>
           </a:p>
         </p:txBody>
@@ -9254,53 +9254,17 @@
           <a:bodyPr/>
           <a:lstStyle/>
           <a:p>
-            <a:pPr lvl="0"/>
-            <a:r>
-              <a:t>First year core statistics and research methods module</a:t>
-            </a:r>
-          </a:p>
-          <a:p>
-            <a:pPr lvl="0"/>
-            <a:r>
-              <a:t>Comprises lectures, skills labs, and practical sessions</a:t>
-            </a:r>
-          </a:p>
-          <a:p>
             <a:pPr marL="0" lvl="0" indent="0">
               <a:buNone/>
             </a:pPr>
             <a:r>
-              <a:t>. . .</a:t>
-            </a:r>
-          </a:p>
-          <a:p>
-            <a:pPr lvl="0"/>
-            <a:r>
-              <a:t>What will you learn?</a:t>
-            </a:r>
-          </a:p>
-          <a:p>
-            <a:pPr lvl="1"/>
-            <a:r>
-              <a:t>Data literacy: how to think like a scientist about data</a:t>
-            </a:r>
-          </a:p>
-          <a:p>
-            <a:pPr lvl="1"/>
-            <a:r>
-              <a:t>Working with data: cleaning, wrangling, summarising</a:t>
-            </a:r>
-          </a:p>
-          <a:p>
-            <a:pPr lvl="1"/>
-            <a:r>
-              <a:t>R skills: using RStudio/Quarto, writing and reading code</a:t>
-            </a:r>
-          </a:p>
-          <a:p>
-            <a:pPr lvl="1"/>
-            <a:r>
-              <a:t>Statistics: NHST, common tests, linear model</a:t>
+              <a:t>✨Module email: </a:t>
+            </a:r>
+            <a:r>
+              <a:rPr>
+                <a:hlinkClick r:id="rId2"/>
+              </a:rPr>
+              <a:t>analysingdata.psychology@sussex.ac.uk</a:t>
             </a:r>
           </a:p>
         </p:txBody>
@@ -9332,12 +9296,12 @@
       </p:grpSpPr>
       <p:sp>
         <p:nvSpPr>
-          <p:cNvPr id="2" name="Title 1"/>
-          <p:cNvSpPr>
-            <a:spLocks noGrp="1"/>
-          </p:cNvSpPr>
-          <p:nvPr>
-            <p:ph type="title"/>
+          <p:cNvPr id="3" name="Content Placeholder 2"/>
+          <p:cNvSpPr>
+            <a:spLocks noGrp="1"/>
+          </p:cNvSpPr>
+          <p:nvPr>
+            <p:ph sz="half" idx="1"/>
           </p:nvPr>
         </p:nvSpPr>
         <p:spPr/>
@@ -9346,40 +9310,116 @@
           <a:lstStyle/>
           <a:p>
             <a:pPr marL="0" lvl="0" indent="0">
+              <a:spcBef>
+                <a:spcPts val="3000"/>
+              </a:spcBef>
               <a:buNone/>
             </a:pPr>
             <a:r>
-              <a:t>Contact</a:t>
-            </a:r>
-          </a:p>
-        </p:txBody>
-      </p:sp>
-      <p:sp>
-        <p:nvSpPr>
-          <p:cNvPr id="3" name="Content Placeholder 2"/>
-          <p:cNvSpPr>
-            <a:spLocks noGrp="1"/>
-          </p:cNvSpPr>
-          <p:nvPr>
-            <p:ph idx="1"/>
-          </p:nvPr>
-        </p:nvSpPr>
-        <p:spPr/>
-        <p:txBody>
-          <a:bodyPr/>
-          <a:lstStyle/>
+              <a:rPr b="1"/>
+              <a:t>Jennifer Mankin</a:t>
+            </a:r>
+          </a:p>
           <a:p>
             <a:pPr marL="0" lvl="0" indent="0">
               <a:buNone/>
             </a:pPr>
             <a:r>
-              <a:t>✨Module email: </a:t>
+              <a:t>Confidential queries: </a:t>
             </a:r>
             <a:r>
               <a:rPr>
                 <a:hlinkClick r:id="rId2"/>
               </a:rPr>
-              <a:t>analysingdata.psychology@sussex.ac.uk</a:t>
+              <a:t>J.Mankin@sussex.ac.uk</a:t>
+            </a:r>
+          </a:p>
+          <a:p>
+            <a:pPr lvl="0"/>
+            <a:r>
+              <a:t>Convenor and primary point of contact</a:t>
+            </a:r>
+          </a:p>
+          <a:p>
+            <a:pPr lvl="0"/>
+            <a:r>
+              <a:t>Lectures, skills labs, practical teaching</a:t>
+            </a:r>
+          </a:p>
+          <a:p>
+            <a:pPr lvl="0"/>
+            <a:r>
+              <a:t>All module admin, assessments, queries</a:t>
+            </a:r>
+          </a:p>
+        </p:txBody>
+      </p:sp>
+      <p:sp>
+        <p:nvSpPr>
+          <p:cNvPr id="4" name="Content Placeholder 3"/>
+          <p:cNvSpPr>
+            <a:spLocks noGrp="1"/>
+          </p:cNvSpPr>
+          <p:nvPr>
+            <p:ph sz="half" idx="2"/>
+          </p:nvPr>
+        </p:nvSpPr>
+        <p:spPr/>
+        <p:txBody>
+          <a:bodyPr/>
+          <a:lstStyle/>
+          <a:p>
+            <a:pPr marL="0" lvl="0" indent="0">
+              <a:spcBef>
+                <a:spcPts val="3000"/>
+              </a:spcBef>
+              <a:buNone/>
+            </a:pPr>
+            <a:r>
+              <a:rPr b="1"/>
+              <a:t>Martina Sladekova</a:t>
+            </a:r>
+          </a:p>
+          <a:p>
+            <a:pPr lvl="0"/>
+            <a:r>
+              <a:t>Lectures, skills labs, practical teaching</a:t>
+            </a:r>
+          </a:p>
+          <a:p>
+            <a:pPr marL="0" lvl="0" indent="0">
+              <a:spcBef>
+                <a:spcPts val="3000"/>
+              </a:spcBef>
+              <a:buNone/>
+            </a:pPr>
+            <a:r>
+              <a:rPr b="1"/>
+              <a:t>Jenny Terry</a:t>
+            </a:r>
+          </a:p>
+          <a:p>
+            <a:pPr lvl="0"/>
+            <a:r>
+              <a:t>Lectures only</a:t>
+            </a:r>
+          </a:p>
+          <a:p>
+            <a:pPr marL="0" lvl="0" indent="0">
+              <a:spcBef>
+                <a:spcPts val="3000"/>
+              </a:spcBef>
+              <a:buNone/>
+            </a:pPr>
+            <a:r>
+              <a:rPr b="1"/>
+              <a:t>Joanna McLaren</a:t>
+            </a:r>
+          </a:p>
+          <a:p>
+            <a:pPr lvl="0"/>
+            <a:r>
+              <a:t>Practical lead</a:t>
             </a:r>
           </a:p>
         </p:txBody>
@@ -9411,130 +9451,29 @@
       </p:grpSpPr>
       <p:sp>
         <p:nvSpPr>
-          <p:cNvPr id="3" name="Content Placeholder 2"/>
-          <p:cNvSpPr>
-            <a:spLocks noGrp="1"/>
-          </p:cNvSpPr>
-          <p:nvPr>
-            <p:ph sz="half" idx="1"/>
-          </p:nvPr>
-        </p:nvSpPr>
-        <p:spPr/>
+          <p:cNvPr id="2" name="Title 1"/>
+          <p:cNvSpPr>
+            <a:spLocks noGrp="1"/>
+          </p:cNvSpPr>
+          <p:nvPr>
+            <p:ph type="title"/>
+          </p:nvPr>
+        </p:nvSpPr>
+        <p:spPr>
+          <a:xfrm>
+            <a:off x="722313" y="3305176"/>
+            <a:ext cx="7772400" cy="1021556"/>
+          </a:xfrm>
+        </p:spPr>
         <p:txBody>
           <a:bodyPr/>
           <a:lstStyle/>
           <a:p>
             <a:pPr marL="0" lvl="0" indent="0">
-              <a:spcBef>
-                <a:spcPts val="3000"/>
-              </a:spcBef>
               <a:buNone/>
             </a:pPr>
             <a:r>
-              <a:rPr b="1"/>
-              <a:t>Jennifer Mankin</a:t>
-            </a:r>
-          </a:p>
-          <a:p>
-            <a:pPr marL="0" lvl="0" indent="0">
-              <a:buNone/>
-            </a:pPr>
-            <a:r>
-              <a:t>Confidential queries: </a:t>
-            </a:r>
-            <a:r>
-              <a:rPr>
-                <a:hlinkClick r:id="rId2"/>
-              </a:rPr>
-              <a:t>J.Mankin@sussex.ac.uk</a:t>
-            </a:r>
-          </a:p>
-          <a:p>
-            <a:pPr lvl="0"/>
-            <a:r>
-              <a:t>Convenor and primary point of contact</a:t>
-            </a:r>
-          </a:p>
-          <a:p>
-            <a:pPr lvl="0"/>
-            <a:r>
-              <a:t>Lectures, skills labs, practical teaching</a:t>
-            </a:r>
-          </a:p>
-          <a:p>
-            <a:pPr lvl="0"/>
-            <a:r>
-              <a:t>All module admin, assessments, queries</a:t>
-            </a:r>
-          </a:p>
-        </p:txBody>
-      </p:sp>
-      <p:sp>
-        <p:nvSpPr>
-          <p:cNvPr id="4" name="Content Placeholder 3"/>
-          <p:cNvSpPr>
-            <a:spLocks noGrp="1"/>
-          </p:cNvSpPr>
-          <p:nvPr>
-            <p:ph sz="half" idx="2"/>
-          </p:nvPr>
-        </p:nvSpPr>
-        <p:spPr/>
-        <p:txBody>
-          <a:bodyPr/>
-          <a:lstStyle/>
-          <a:p>
-            <a:pPr marL="0" lvl="0" indent="0">
-              <a:spcBef>
-                <a:spcPts val="3000"/>
-              </a:spcBef>
-              <a:buNone/>
-            </a:pPr>
-            <a:r>
-              <a:rPr b="1"/>
-              <a:t>Martina Sladekova</a:t>
-            </a:r>
-          </a:p>
-          <a:p>
-            <a:pPr lvl="0"/>
-            <a:r>
-              <a:t>Lectures, skills labs, practical teaching</a:t>
-            </a:r>
-          </a:p>
-          <a:p>
-            <a:pPr marL="0" lvl="0" indent="0">
-              <a:spcBef>
-                <a:spcPts val="3000"/>
-              </a:spcBef>
-              <a:buNone/>
-            </a:pPr>
-            <a:r>
-              <a:rPr b="1"/>
-              <a:t>Jenny Terry</a:t>
-            </a:r>
-          </a:p>
-          <a:p>
-            <a:pPr lvl="0"/>
-            <a:r>
-              <a:t>Lectures only</a:t>
-            </a:r>
-          </a:p>
-          <a:p>
-            <a:pPr marL="0" lvl="0" indent="0">
-              <a:spcBef>
-                <a:spcPts val="3000"/>
-              </a:spcBef>
-              <a:buNone/>
-            </a:pPr>
-            <a:r>
-              <a:rPr b="1"/>
-              <a:t>Joanna McLaren</a:t>
-            </a:r>
-          </a:p>
-          <a:p>
-            <a:pPr lvl="0"/>
-            <a:r>
-              <a:t>Practical lead</a:t>
+              <a:t>Module Structure</a:t>
             </a:r>
           </a:p>
         </p:txBody>
@@ -9574,12 +9513,7 @@
             <p:ph type="title"/>
           </p:nvPr>
         </p:nvSpPr>
-        <p:spPr>
-          <a:xfrm>
-            <a:off x="722313" y="3305176"/>
-            <a:ext cx="7772400" cy="1021556"/>
-          </a:xfrm>
-        </p:spPr>
+        <p:spPr/>
         <p:txBody>
           <a:bodyPr/>
           <a:lstStyle/>
@@ -9588,7 +9522,133 @@
               <a:buNone/>
             </a:pPr>
             <a:r>
-              <a:t>Module Structure</a:t>
+              <a:t>Types of Sessions</a:t>
+            </a:r>
+          </a:p>
+        </p:txBody>
+      </p:sp>
+      <p:sp>
+        <p:nvSpPr>
+          <p:cNvPr id="3" name="Content Placeholder 2"/>
+          <p:cNvSpPr>
+            <a:spLocks noGrp="1"/>
+          </p:cNvSpPr>
+          <p:nvPr>
+            <p:ph sz="half" idx="1"/>
+          </p:nvPr>
+        </p:nvSpPr>
+        <p:spPr/>
+        <p:txBody>
+          <a:bodyPr>
+            <a:normAutofit fontScale="92500" lnSpcReduction="10000"/>
+          </a:bodyPr>
+          <a:lstStyle/>
+          <a:p>
+            <a:pPr marL="0" lvl="0" indent="0">
+              <a:spcBef>
+                <a:spcPts val="3000"/>
+              </a:spcBef>
+              <a:buNone/>
+            </a:pPr>
+            <a:r>
+              <a:rPr b="1"/>
+              <a:t>Lecture</a:t>
+            </a:r>
+          </a:p>
+          <a:p>
+            <a:pPr lvl="0"/>
+            <a:r>
+              <a:t>One-hour lecture session Tuesday evenings</a:t>
+            </a:r>
+          </a:p>
+          <a:p>
+            <a:pPr lvl="0"/>
+            <a:r>
+              <a:t>Concepts, ideas, and understanding statistical tests and principles</a:t>
+            </a:r>
+          </a:p>
+          <a:p>
+            <a:pPr marL="0" lvl="0" indent="0">
+              <a:spcBef>
+                <a:spcPts val="3000"/>
+              </a:spcBef>
+              <a:buNone/>
+            </a:pPr>
+            <a:r>
+              <a:rPr b="1"/>
+              <a:t>✨Skills Lab</a:t>
+            </a:r>
+          </a:p>
+          <a:p>
+            <a:pPr lvl="0"/>
+            <a:r>
+              <a:t>One-hour interactive, live-coding session Thursday mornings</a:t>
+            </a:r>
+          </a:p>
+          <a:p>
+            <a:pPr lvl="0"/>
+            <a:r>
+              <a:t>Demonstrates how to think about and work with data</a:t>
+            </a:r>
+          </a:p>
+        </p:txBody>
+      </p:sp>
+      <p:sp>
+        <p:nvSpPr>
+          <p:cNvPr id="4" name="Content Placeholder 3"/>
+          <p:cNvSpPr>
+            <a:spLocks noGrp="1"/>
+          </p:cNvSpPr>
+          <p:nvPr>
+            <p:ph sz="half" idx="2"/>
+          </p:nvPr>
+        </p:nvSpPr>
+        <p:spPr/>
+        <p:txBody>
+          <a:bodyPr>
+            <a:normAutofit fontScale="92500" lnSpcReduction="10000"/>
+          </a:bodyPr>
+          <a:lstStyle/>
+          <a:p>
+            <a:pPr marL="0" lvl="0" indent="0">
+              <a:spcBef>
+                <a:spcPts val="3000"/>
+              </a:spcBef>
+              <a:buNone/>
+            </a:pPr>
+            <a:r>
+              <a:rPr b="1"/>
+              <a:t>✨Practical</a:t>
+            </a:r>
+          </a:p>
+          <a:p>
+            <a:pPr lvl="0"/>
+            <a:r>
+              <a:t>Two-hour supported working time</a:t>
+            </a:r>
+          </a:p>
+          <a:p>
+            <a:pPr lvl="1"/>
+            <a:r>
+              <a:t>Ask questions and get help</a:t>
+            </a:r>
+          </a:p>
+          <a:p>
+            <a:pPr lvl="1"/>
+            <a:r>
+              <a:t>Complete the tutorial/worksheet</a:t>
+            </a:r>
+          </a:p>
+          <a:p>
+            <a:pPr lvl="1"/>
+            <a:r>
+              <a:t>Take a quiz</a:t>
+            </a:r>
+          </a:p>
+          <a:p>
+            <a:pPr lvl="0"/>
+            <a:r>
+              <a:t>Multiple sessions throughout the week, switches between online and in person</a:t>
             </a:r>
           </a:p>
         </p:txBody>
@@ -9620,150 +9680,42 @@
       </p:grpSpPr>
       <p:sp>
         <p:nvSpPr>
-          <p:cNvPr id="2" name="Title 1"/>
-          <p:cNvSpPr>
-            <a:spLocks noGrp="1"/>
-          </p:cNvSpPr>
-          <p:nvPr>
-            <p:ph type="title"/>
-          </p:nvPr>
-        </p:nvSpPr>
-        <p:spPr/>
-        <p:txBody>
-          <a:bodyPr/>
-          <a:lstStyle/>
-          <a:p>
-            <a:pPr marL="0" lvl="0" indent="0">
+          <p:cNvPr id="3" name="Content Placeholder 2"/>
+          <p:cNvSpPr>
+            <a:spLocks noGrp="1"/>
+          </p:cNvSpPr>
+          <p:nvPr>
+            <p:ph idx="1"/>
+          </p:nvPr>
+        </p:nvSpPr>
+        <p:spPr/>
+        <p:txBody>
+          <a:bodyPr/>
+          <a:lstStyle/>
+          <a:p>
+            <a:pPr marL="1270000" lvl="0" indent="0">
               <a:buNone/>
             </a:pPr>
             <a:r>
-              <a:t>Types of Sessions</a:t>
-            </a:r>
-          </a:p>
-        </p:txBody>
-      </p:sp>
-      <p:sp>
-        <p:nvSpPr>
-          <p:cNvPr id="3" name="Content Placeholder 2"/>
-          <p:cNvSpPr>
-            <a:spLocks noGrp="1"/>
-          </p:cNvSpPr>
-          <p:nvPr>
-            <p:ph sz="half" idx="1"/>
-          </p:nvPr>
-        </p:nvSpPr>
-        <p:spPr/>
-        <p:txBody>
-          <a:bodyPr>
-            <a:normAutofit fontScale="92500" lnSpcReduction="10000"/>
-          </a:bodyPr>
-          <a:lstStyle/>
-          <a:p>
-            <a:pPr marL="0" lvl="0" indent="0">
-              <a:spcBef>
-                <a:spcPts val="3000"/>
-              </a:spcBef>
+              <a:rPr sz="2000" b="1"/>
+              <a:t>Important</a:t>
+            </a:r>
+          </a:p>
+          <a:p>
+            <a:pPr marL="1270000" lvl="0" indent="0">
               <a:buNone/>
             </a:pPr>
             <a:r>
-              <a:rPr b="1"/>
-              <a:t>Lecture</a:t>
-            </a:r>
-          </a:p>
-          <a:p>
-            <a:pPr lvl="0"/>
-            <a:r>
-              <a:t>One-hour lecture session Tuesday evenings</a:t>
-            </a:r>
-          </a:p>
-          <a:p>
-            <a:pPr lvl="0"/>
-            <a:r>
-              <a:t>Concepts, ideas, and understanding statistical tests and principles</a:t>
-            </a:r>
-          </a:p>
-          <a:p>
-            <a:pPr marL="0" lvl="0" indent="0">
-              <a:spcBef>
-                <a:spcPts val="3000"/>
-              </a:spcBef>
-              <a:buNone/>
-            </a:pPr>
-            <a:r>
-              <a:rPr b="1"/>
-              <a:t>✨Skills Lab</a:t>
-            </a:r>
-          </a:p>
-          <a:p>
-            <a:pPr lvl="0"/>
-            <a:r>
-              <a:t>One-hour interactive, live-coding session Thursday mornings</a:t>
-            </a:r>
-          </a:p>
-          <a:p>
-            <a:pPr lvl="0"/>
-            <a:r>
-              <a:t>Demonstrates how to think about and work with data</a:t>
-            </a:r>
-          </a:p>
-        </p:txBody>
-      </p:sp>
-      <p:sp>
-        <p:nvSpPr>
-          <p:cNvPr id="4" name="Content Placeholder 3"/>
-          <p:cNvSpPr>
-            <a:spLocks noGrp="1"/>
-          </p:cNvSpPr>
-          <p:nvPr>
-            <p:ph sz="half" idx="2"/>
-          </p:nvPr>
-        </p:nvSpPr>
-        <p:spPr/>
-        <p:txBody>
-          <a:bodyPr>
-            <a:normAutofit fontScale="92500" lnSpcReduction="10000"/>
-          </a:bodyPr>
-          <a:lstStyle/>
-          <a:p>
-            <a:pPr marL="0" lvl="0" indent="0">
-              <a:spcBef>
-                <a:spcPts val="3000"/>
-              </a:spcBef>
-              <a:buNone/>
-            </a:pPr>
-            <a:r>
-              <a:rPr b="1"/>
-              <a:t>✨Practical</a:t>
-            </a:r>
-          </a:p>
-          <a:p>
-            <a:pPr lvl="0"/>
-            <a:r>
-              <a:t>Two-hour supported working time</a:t>
-            </a:r>
-          </a:p>
-          <a:p>
-            <a:pPr lvl="1"/>
-            <a:r>
-              <a:t>Ask questions and get help</a:t>
-            </a:r>
-          </a:p>
-          <a:p>
-            <a:pPr lvl="1"/>
-            <a:r>
-              <a:t>Complete the tutorial/worksheet</a:t>
-            </a:r>
-          </a:p>
-          <a:p>
-            <a:pPr lvl="1"/>
-            <a:r>
-              <a:t>Take a quiz</a:t>
-            </a:r>
-          </a:p>
-          <a:p>
-            <a:pPr lvl="0"/>
-            <a:r>
-              <a:t>Multiple sessions throughout the week, switches between online and in person</a:t>
+              <a:rPr sz="2000"/>
+              <a:t>Skills Labs are </a:t>
+            </a:r>
+            <a:r>
+              <a:rPr sz="2000" b="1"/>
+              <a:t>not optional</a:t>
+            </a:r>
+            <a:r>
+              <a:rPr sz="2000"/>
+              <a:t>! They are distinct from the lectures and will contribute to your assessments.</a:t>
             </a:r>
           </a:p>
         </p:txBody>
